--- a/API project presentation.pptx
+++ b/API project presentation.pptx
@@ -7,10 +7,11 @@
   <p:sldIdLst>
     <p:sldId id="256" r:id="rId2"/>
     <p:sldId id="257" r:id="rId3"/>
-    <p:sldId id="258" r:id="rId4"/>
+    <p:sldId id="262" r:id="rId4"/>
     <p:sldId id="259" r:id="rId5"/>
-    <p:sldId id="260" r:id="rId6"/>
-    <p:sldId id="261" r:id="rId7"/>
+    <p:sldId id="258" r:id="rId6"/>
+    <p:sldId id="260" r:id="rId7"/>
+    <p:sldId id="261" r:id="rId8"/>
   </p:sldIdLst>
   <p:sldSz cx="12192000" cy="6858000"/>
   <p:notesSz cx="6858000" cy="9144000"/>
@@ -109,6 +110,11 @@
       </a:defRPr>
     </a:lvl9pPr>
   </p:defaultTextStyle>
+  <p:extLst>
+    <p:ext uri="{EFAFB233-063F-42B5-8137-9DF3F51BA10A}">
+      <p15:sldGuideLst xmlns:p15="http://schemas.microsoft.com/office/powerpoint/2012/main"/>
+    </p:ext>
+  </p:extLst>
 </p:presentation>
 </file>
 
@@ -162,7 +168,7 @@
           <a:noFill/>
           <a:extLst>
             <a:ext uri="{909E8E84-426E-40dd-AFC4-6F175D3DCCD1}">
-              <a14:hiddenFill xmlns:a14="http://schemas.microsoft.com/office/drawing/2010/main" xmlns="">
+              <a14:hiddenFill xmlns="" xmlns:a14="http://schemas.microsoft.com/office/drawing/2010/main">
                 <a:solidFill>
                   <a:srgbClr val="FFFFFF"/>
                 </a:solidFill>
@@ -222,7 +228,7 @@
             </a:ln>
             <a:extLst>
               <a:ext uri="{91240B29-F687-4f45-9708-019B960494DF}">
-                <a14:hiddenLine xmlns:a14="http://schemas.microsoft.com/office/drawing/2010/main" xmlns="" w="9525">
+                <a14:hiddenLine xmlns="" xmlns:a14="http://schemas.microsoft.com/office/drawing/2010/main" w="9525">
                   <a:solidFill>
                     <a:srgbClr val="000000"/>
                   </a:solidFill>
@@ -312,7 +318,7 @@
             </a:ln>
             <a:extLst>
               <a:ext uri="{91240B29-F687-4f45-9708-019B960494DF}">
-                <a14:hiddenLine xmlns:a14="http://schemas.microsoft.com/office/drawing/2010/main" xmlns="" w="9525">
+                <a14:hiddenLine xmlns="" xmlns:a14="http://schemas.microsoft.com/office/drawing/2010/main" w="9525">
                   <a:solidFill>
                     <a:srgbClr val="000000"/>
                   </a:solidFill>
@@ -402,7 +408,7 @@
             </a:ln>
             <a:extLst>
               <a:ext uri="{91240B29-F687-4f45-9708-019B960494DF}">
-                <a14:hiddenLine xmlns:a14="http://schemas.microsoft.com/office/drawing/2010/main" xmlns="" w="9525">
+                <a14:hiddenLine xmlns="" xmlns:a14="http://schemas.microsoft.com/office/drawing/2010/main" w="9525">
                   <a:solidFill>
                     <a:srgbClr val="000000"/>
                   </a:solidFill>
@@ -436,7 +442,7 @@
             </a:ln>
             <a:extLst>
               <a:ext uri="{91240B29-F687-4f45-9708-019B960494DF}">
-                <a14:hiddenLine xmlns:a14="http://schemas.microsoft.com/office/drawing/2010/main" xmlns="" w="9525">
+                <a14:hiddenLine xmlns="" xmlns:a14="http://schemas.microsoft.com/office/drawing/2010/main" w="9525">
                   <a:solidFill>
                     <a:srgbClr val="000000"/>
                   </a:solidFill>
@@ -526,7 +532,7 @@
             </a:ln>
             <a:extLst>
               <a:ext uri="{91240B29-F687-4f45-9708-019B960494DF}">
-                <a14:hiddenLine xmlns:a14="http://schemas.microsoft.com/office/drawing/2010/main" xmlns="" w="9525">
+                <a14:hiddenLine xmlns="" xmlns:a14="http://schemas.microsoft.com/office/drawing/2010/main" w="9525">
                   <a:solidFill>
                     <a:srgbClr val="000000"/>
                   </a:solidFill>
@@ -588,7 +594,7 @@
             </a:ln>
             <a:extLst>
               <a:ext uri="{91240B29-F687-4f45-9708-019B960494DF}">
-                <a14:hiddenLine xmlns:a14="http://schemas.microsoft.com/office/drawing/2010/main" xmlns="" w="9525">
+                <a14:hiddenLine xmlns="" xmlns:a14="http://schemas.microsoft.com/office/drawing/2010/main" w="9525">
                   <a:solidFill>
                     <a:srgbClr val="000000"/>
                   </a:solidFill>
@@ -650,7 +656,7 @@
             </a:ln>
             <a:extLst>
               <a:ext uri="{91240B29-F687-4f45-9708-019B960494DF}">
-                <a14:hiddenLine xmlns:a14="http://schemas.microsoft.com/office/drawing/2010/main" xmlns="" w="9525">
+                <a14:hiddenLine xmlns="" xmlns:a14="http://schemas.microsoft.com/office/drawing/2010/main" w="9525">
                   <a:solidFill>
                     <a:srgbClr val="000000"/>
                   </a:solidFill>
@@ -740,7 +746,7 @@
             </a:ln>
             <a:extLst>
               <a:ext uri="{91240B29-F687-4f45-9708-019B960494DF}">
-                <a14:hiddenLine xmlns:a14="http://schemas.microsoft.com/office/drawing/2010/main" xmlns="" w="9525">
+                <a14:hiddenLine xmlns="" xmlns:a14="http://schemas.microsoft.com/office/drawing/2010/main" w="9525">
                   <a:solidFill>
                     <a:srgbClr val="000000"/>
                   </a:solidFill>
@@ -802,7 +808,7 @@
             </a:ln>
             <a:extLst>
               <a:ext uri="{91240B29-F687-4f45-9708-019B960494DF}">
-                <a14:hiddenLine xmlns:a14="http://schemas.microsoft.com/office/drawing/2010/main" xmlns="" w="9525">
+                <a14:hiddenLine xmlns="" xmlns:a14="http://schemas.microsoft.com/office/drawing/2010/main" w="9525">
                   <a:solidFill>
                     <a:srgbClr val="000000"/>
                   </a:solidFill>
@@ -864,7 +870,7 @@
             </a:ln>
             <a:extLst>
               <a:ext uri="{91240B29-F687-4f45-9708-019B960494DF}">
-                <a14:hiddenLine xmlns:a14="http://schemas.microsoft.com/office/drawing/2010/main" xmlns="" w="9525">
+                <a14:hiddenLine xmlns="" xmlns:a14="http://schemas.microsoft.com/office/drawing/2010/main" w="9525">
                   <a:solidFill>
                     <a:srgbClr val="000000"/>
                   </a:solidFill>
@@ -954,7 +960,7 @@
             </a:ln>
             <a:extLst>
               <a:ext uri="{91240B29-F687-4f45-9708-019B960494DF}">
-                <a14:hiddenLine xmlns:a14="http://schemas.microsoft.com/office/drawing/2010/main" xmlns="" w="9525">
+                <a14:hiddenLine xmlns="" xmlns:a14="http://schemas.microsoft.com/office/drawing/2010/main" w="9525">
                   <a:solidFill>
                     <a:srgbClr val="000000"/>
                   </a:solidFill>
@@ -1044,7 +1050,7 @@
             </a:ln>
             <a:extLst>
               <a:ext uri="{91240B29-F687-4f45-9708-019B960494DF}">
-                <a14:hiddenLine xmlns:a14="http://schemas.microsoft.com/office/drawing/2010/main" xmlns="" w="9525">
+                <a14:hiddenLine xmlns="" xmlns:a14="http://schemas.microsoft.com/office/drawing/2010/main" w="9525">
                   <a:solidFill>
                     <a:srgbClr val="000000"/>
                   </a:solidFill>
@@ -1106,7 +1112,7 @@
             </a:ln>
             <a:extLst>
               <a:ext uri="{91240B29-F687-4f45-9708-019B960494DF}">
-                <a14:hiddenLine xmlns:a14="http://schemas.microsoft.com/office/drawing/2010/main" xmlns="" w="9525">
+                <a14:hiddenLine xmlns="" xmlns:a14="http://schemas.microsoft.com/office/drawing/2010/main" w="9525">
                   <a:solidFill>
                     <a:srgbClr val="000000"/>
                   </a:solidFill>
@@ -1216,7 +1222,7 @@
             </a:ln>
             <a:extLst>
               <a:ext uri="{91240B29-F687-4f45-9708-019B960494DF}">
-                <a14:hiddenLine xmlns:a14="http://schemas.microsoft.com/office/drawing/2010/main" xmlns="" w="9525">
+                <a14:hiddenLine xmlns="" xmlns:a14="http://schemas.microsoft.com/office/drawing/2010/main" w="9525">
                   <a:solidFill>
                     <a:srgbClr val="000000"/>
                   </a:solidFill>
@@ -1278,7 +1284,7 @@
             </a:ln>
             <a:extLst>
               <a:ext uri="{91240B29-F687-4f45-9708-019B960494DF}">
-                <a14:hiddenLine xmlns:a14="http://schemas.microsoft.com/office/drawing/2010/main" xmlns="" w="9525">
+                <a14:hiddenLine xmlns="" xmlns:a14="http://schemas.microsoft.com/office/drawing/2010/main" w="9525">
                   <a:solidFill>
                     <a:srgbClr val="000000"/>
                   </a:solidFill>
@@ -1368,7 +1374,7 @@
             </a:ln>
             <a:extLst>
               <a:ext uri="{91240B29-F687-4f45-9708-019B960494DF}">
-                <a14:hiddenLine xmlns:a14="http://schemas.microsoft.com/office/drawing/2010/main" xmlns="" w="9525">
+                <a14:hiddenLine xmlns="" xmlns:a14="http://schemas.microsoft.com/office/drawing/2010/main" w="9525">
                   <a:solidFill>
                     <a:srgbClr val="000000"/>
                   </a:solidFill>
@@ -1458,7 +1464,7 @@
             </a:ln>
             <a:extLst>
               <a:ext uri="{91240B29-F687-4f45-9708-019B960494DF}">
-                <a14:hiddenLine xmlns:a14="http://schemas.microsoft.com/office/drawing/2010/main" xmlns="" w="9525">
+                <a14:hiddenLine xmlns="" xmlns:a14="http://schemas.microsoft.com/office/drawing/2010/main" w="9525">
                   <a:solidFill>
                     <a:srgbClr val="000000"/>
                   </a:solidFill>
@@ -1520,7 +1526,7 @@
             </a:ln>
             <a:extLst>
               <a:ext uri="{91240B29-F687-4f45-9708-019B960494DF}">
-                <a14:hiddenLine xmlns:a14="http://schemas.microsoft.com/office/drawing/2010/main" xmlns="" w="9525">
+                <a14:hiddenLine xmlns="" xmlns:a14="http://schemas.microsoft.com/office/drawing/2010/main" w="9525">
                   <a:solidFill>
                     <a:srgbClr val="000000"/>
                   </a:solidFill>
@@ -1610,7 +1616,7 @@
             </a:ln>
             <a:extLst>
               <a:ext uri="{91240B29-F687-4f45-9708-019B960494DF}">
-                <a14:hiddenLine xmlns:a14="http://schemas.microsoft.com/office/drawing/2010/main" xmlns="" w="9525">
+                <a14:hiddenLine xmlns="" xmlns:a14="http://schemas.microsoft.com/office/drawing/2010/main" w="9525">
                   <a:solidFill>
                     <a:srgbClr val="000000"/>
                   </a:solidFill>
@@ -1700,7 +1706,7 @@
             </a:ln>
             <a:extLst>
               <a:ext uri="{91240B29-F687-4f45-9708-019B960494DF}">
-                <a14:hiddenLine xmlns:a14="http://schemas.microsoft.com/office/drawing/2010/main" xmlns="" w="9525">
+                <a14:hiddenLine xmlns="" xmlns:a14="http://schemas.microsoft.com/office/drawing/2010/main" w="9525">
                   <a:solidFill>
                     <a:srgbClr val="000000"/>
                   </a:solidFill>
@@ -1756,7 +1762,7 @@
             </a:ln>
             <a:extLst>
               <a:ext uri="{91240B29-F687-4f45-9708-019B960494DF}">
-                <a14:hiddenLine xmlns:a14="http://schemas.microsoft.com/office/drawing/2010/main" xmlns="" w="9525">
+                <a14:hiddenLine xmlns="" xmlns:a14="http://schemas.microsoft.com/office/drawing/2010/main" w="9525">
                   <a:solidFill>
                     <a:srgbClr val="000000"/>
                   </a:solidFill>
@@ -1846,7 +1852,7 @@
             </a:ln>
             <a:extLst>
               <a:ext uri="{91240B29-F687-4f45-9708-019B960494DF}">
-                <a14:hiddenLine xmlns:a14="http://schemas.microsoft.com/office/drawing/2010/main" xmlns="" w="9525">
+                <a14:hiddenLine xmlns="" xmlns:a14="http://schemas.microsoft.com/office/drawing/2010/main" w="9525">
                   <a:solidFill>
                     <a:srgbClr val="000000"/>
                   </a:solidFill>
@@ -1902,7 +1908,7 @@
             </a:ln>
             <a:extLst>
               <a:ext uri="{91240B29-F687-4f45-9708-019B960494DF}">
-                <a14:hiddenLine xmlns:a14="http://schemas.microsoft.com/office/drawing/2010/main" xmlns="" w="9525">
+                <a14:hiddenLine xmlns="" xmlns:a14="http://schemas.microsoft.com/office/drawing/2010/main" w="9525">
                   <a:solidFill>
                     <a:srgbClr val="000000"/>
                   </a:solidFill>
@@ -1992,7 +1998,7 @@
             </a:ln>
             <a:extLst>
               <a:ext uri="{91240B29-F687-4f45-9708-019B960494DF}">
-                <a14:hiddenLine xmlns:a14="http://schemas.microsoft.com/office/drawing/2010/main" xmlns="" w="9525">
+                <a14:hiddenLine xmlns="" xmlns:a14="http://schemas.microsoft.com/office/drawing/2010/main" w="9525">
                   <a:solidFill>
                     <a:srgbClr val="000000"/>
                   </a:solidFill>
@@ -2060,7 +2066,7 @@
             </a:ln>
             <a:extLst>
               <a:ext uri="{91240B29-F687-4f45-9708-019B960494DF}">
-                <a14:hiddenLine xmlns:a14="http://schemas.microsoft.com/office/drawing/2010/main" xmlns="" w="9525">
+                <a14:hiddenLine xmlns="" xmlns:a14="http://schemas.microsoft.com/office/drawing/2010/main" w="9525">
                   <a:solidFill>
                     <a:srgbClr val="000000"/>
                   </a:solidFill>
@@ -2150,7 +2156,7 @@
             </a:ln>
             <a:extLst>
               <a:ext uri="{91240B29-F687-4f45-9708-019B960494DF}">
-                <a14:hiddenLine xmlns:a14="http://schemas.microsoft.com/office/drawing/2010/main" xmlns="" w="9525">
+                <a14:hiddenLine xmlns="" xmlns:a14="http://schemas.microsoft.com/office/drawing/2010/main" w="9525">
                   <a:solidFill>
                     <a:srgbClr val="000000"/>
                   </a:solidFill>
@@ -2218,7 +2224,7 @@
             </a:ln>
             <a:extLst>
               <a:ext uri="{91240B29-F687-4f45-9708-019B960494DF}">
-                <a14:hiddenLine xmlns:a14="http://schemas.microsoft.com/office/drawing/2010/main" xmlns="" w="9525">
+                <a14:hiddenLine xmlns="" xmlns:a14="http://schemas.microsoft.com/office/drawing/2010/main" w="9525">
                   <a:solidFill>
                     <a:srgbClr val="000000"/>
                   </a:solidFill>
@@ -2308,7 +2314,7 @@
             </a:ln>
             <a:extLst>
               <a:ext uri="{91240B29-F687-4f45-9708-019B960494DF}">
-                <a14:hiddenLine xmlns:a14="http://schemas.microsoft.com/office/drawing/2010/main" xmlns="" w="9525">
+                <a14:hiddenLine xmlns="" xmlns:a14="http://schemas.microsoft.com/office/drawing/2010/main" w="9525">
                   <a:solidFill>
                     <a:srgbClr val="000000"/>
                   </a:solidFill>
@@ -2342,7 +2348,7 @@
             </a:ln>
             <a:extLst>
               <a:ext uri="{91240B29-F687-4f45-9708-019B960494DF}">
-                <a14:hiddenLine xmlns:a14="http://schemas.microsoft.com/office/drawing/2010/main" xmlns="" w="9525">
+                <a14:hiddenLine xmlns="" xmlns:a14="http://schemas.microsoft.com/office/drawing/2010/main" w="9525">
                   <a:solidFill>
                     <a:srgbClr val="000000"/>
                   </a:solidFill>
@@ -2432,7 +2438,7 @@
             </a:ln>
             <a:extLst>
               <a:ext uri="{91240B29-F687-4f45-9708-019B960494DF}">
-                <a14:hiddenLine xmlns:a14="http://schemas.microsoft.com/office/drawing/2010/main" xmlns="" w="9525">
+                <a14:hiddenLine xmlns="" xmlns:a14="http://schemas.microsoft.com/office/drawing/2010/main" w="9525">
                   <a:solidFill>
                     <a:srgbClr val="000000"/>
                   </a:solidFill>
@@ -2494,7 +2500,7 @@
             </a:ln>
             <a:extLst>
               <a:ext uri="{91240B29-F687-4f45-9708-019B960494DF}">
-                <a14:hiddenLine xmlns:a14="http://schemas.microsoft.com/office/drawing/2010/main" xmlns="" w="9525">
+                <a14:hiddenLine xmlns="" xmlns:a14="http://schemas.microsoft.com/office/drawing/2010/main" w="9525">
                   <a:solidFill>
                     <a:srgbClr val="000000"/>
                   </a:solidFill>
@@ -2556,7 +2562,7 @@
             </a:ln>
             <a:extLst>
               <a:ext uri="{91240B29-F687-4f45-9708-019B960494DF}">
-                <a14:hiddenLine xmlns:a14="http://schemas.microsoft.com/office/drawing/2010/main" xmlns="" w="9525">
+                <a14:hiddenLine xmlns="" xmlns:a14="http://schemas.microsoft.com/office/drawing/2010/main" w="9525">
                   <a:solidFill>
                     <a:srgbClr val="000000"/>
                   </a:solidFill>
@@ -2646,7 +2652,7 @@
             </a:ln>
             <a:extLst>
               <a:ext uri="{91240B29-F687-4f45-9708-019B960494DF}">
-                <a14:hiddenLine xmlns:a14="http://schemas.microsoft.com/office/drawing/2010/main" xmlns="" w="9525">
+                <a14:hiddenLine xmlns="" xmlns:a14="http://schemas.microsoft.com/office/drawing/2010/main" w="9525">
                   <a:solidFill>
                     <a:srgbClr val="000000"/>
                   </a:solidFill>
@@ -2714,7 +2720,7 @@
             </a:ln>
             <a:extLst>
               <a:ext uri="{91240B29-F687-4f45-9708-019B960494DF}">
-                <a14:hiddenLine xmlns:a14="http://schemas.microsoft.com/office/drawing/2010/main" xmlns="" w="9525">
+                <a14:hiddenLine xmlns="" xmlns:a14="http://schemas.microsoft.com/office/drawing/2010/main" w="9525">
                   <a:solidFill>
                     <a:srgbClr val="000000"/>
                   </a:solidFill>
@@ -2776,7 +2782,7 @@
             </a:ln>
             <a:extLst>
               <a:ext uri="{91240B29-F687-4f45-9708-019B960494DF}">
-                <a14:hiddenLine xmlns:a14="http://schemas.microsoft.com/office/drawing/2010/main" xmlns="" w="9525">
+                <a14:hiddenLine xmlns="" xmlns:a14="http://schemas.microsoft.com/office/drawing/2010/main" w="9525">
                   <a:solidFill>
                     <a:srgbClr val="000000"/>
                   </a:solidFill>
@@ -2866,7 +2872,7 @@
             </a:ln>
             <a:extLst>
               <a:ext uri="{91240B29-F687-4f45-9708-019B960494DF}">
-                <a14:hiddenLine xmlns:a14="http://schemas.microsoft.com/office/drawing/2010/main" xmlns="" w="9525">
+                <a14:hiddenLine xmlns="" xmlns:a14="http://schemas.microsoft.com/office/drawing/2010/main" w="9525">
                   <a:solidFill>
                     <a:srgbClr val="000000"/>
                   </a:solidFill>
@@ -2928,7 +2934,7 @@
             </a:ln>
             <a:extLst>
               <a:ext uri="{91240B29-F687-4f45-9708-019B960494DF}">
-                <a14:hiddenLine xmlns:a14="http://schemas.microsoft.com/office/drawing/2010/main" xmlns="" w="9525">
+                <a14:hiddenLine xmlns="" xmlns:a14="http://schemas.microsoft.com/office/drawing/2010/main" w="9525">
                   <a:solidFill>
                     <a:srgbClr val="000000"/>
                   </a:solidFill>
@@ -3018,7 +3024,7 @@
             </a:ln>
             <a:extLst>
               <a:ext uri="{91240B29-F687-4f45-9708-019B960494DF}">
-                <a14:hiddenLine xmlns:a14="http://schemas.microsoft.com/office/drawing/2010/main" xmlns="" w="9525">
+                <a14:hiddenLine xmlns="" xmlns:a14="http://schemas.microsoft.com/office/drawing/2010/main" w="9525">
                   <a:solidFill>
                     <a:srgbClr val="000000"/>
                   </a:solidFill>
@@ -3080,7 +3086,7 @@
             </a:ln>
             <a:extLst>
               <a:ext uri="{91240B29-F687-4f45-9708-019B960494DF}">
-                <a14:hiddenLine xmlns:a14="http://schemas.microsoft.com/office/drawing/2010/main" xmlns="" w="9525">
+                <a14:hiddenLine xmlns="" xmlns:a14="http://schemas.microsoft.com/office/drawing/2010/main" w="9525">
                   <a:solidFill>
                     <a:srgbClr val="000000"/>
                   </a:solidFill>
@@ -3170,7 +3176,7 @@
             </a:ln>
             <a:extLst>
               <a:ext uri="{91240B29-F687-4f45-9708-019B960494DF}">
-                <a14:hiddenLine xmlns:a14="http://schemas.microsoft.com/office/drawing/2010/main" xmlns="" w="9525">
+                <a14:hiddenLine xmlns="" xmlns:a14="http://schemas.microsoft.com/office/drawing/2010/main" w="9525">
                   <a:solidFill>
                     <a:srgbClr val="000000"/>
                   </a:solidFill>
@@ -3204,7 +3210,7 @@
             </a:ln>
             <a:extLst>
               <a:ext uri="{91240B29-F687-4f45-9708-019B960494DF}">
-                <a14:hiddenLine xmlns:a14="http://schemas.microsoft.com/office/drawing/2010/main" xmlns="" w="9525">
+                <a14:hiddenLine xmlns="" xmlns:a14="http://schemas.microsoft.com/office/drawing/2010/main" w="9525">
                   <a:solidFill>
                     <a:srgbClr val="000000"/>
                   </a:solidFill>
@@ -3269,7 +3275,7 @@
             </a:ln>
             <a:extLst>
               <a:ext uri="{91240B29-F687-4f45-9708-019B960494DF}">
-                <a14:hiddenLine xmlns:a14="http://schemas.microsoft.com/office/drawing/2010/main" xmlns="" w="9525">
+                <a14:hiddenLine xmlns="" xmlns:a14="http://schemas.microsoft.com/office/drawing/2010/main" w="9525">
                   <a:solidFill>
                     <a:srgbClr val="000000"/>
                   </a:solidFill>
@@ -3359,7 +3365,7 @@
             </a:ln>
             <a:extLst>
               <a:ext uri="{91240B29-F687-4f45-9708-019B960494DF}">
-                <a14:hiddenLine xmlns:a14="http://schemas.microsoft.com/office/drawing/2010/main" xmlns="" w="9525">
+                <a14:hiddenLine xmlns="" xmlns:a14="http://schemas.microsoft.com/office/drawing/2010/main" w="9525">
                   <a:solidFill>
                     <a:srgbClr val="000000"/>
                   </a:solidFill>
@@ -3421,7 +3427,7 @@
             </a:ln>
             <a:extLst>
               <a:ext uri="{91240B29-F687-4f45-9708-019B960494DF}">
-                <a14:hiddenLine xmlns:a14="http://schemas.microsoft.com/office/drawing/2010/main" xmlns="" w="9525">
+                <a14:hiddenLine xmlns="" xmlns:a14="http://schemas.microsoft.com/office/drawing/2010/main" w="9525">
                   <a:solidFill>
                     <a:srgbClr val="000000"/>
                   </a:solidFill>
@@ -3511,7 +3517,7 @@
             </a:ln>
             <a:extLst>
               <a:ext uri="{91240B29-F687-4f45-9708-019B960494DF}">
-                <a14:hiddenLine xmlns:a14="http://schemas.microsoft.com/office/drawing/2010/main" xmlns="" w="9525">
+                <a14:hiddenLine xmlns="" xmlns:a14="http://schemas.microsoft.com/office/drawing/2010/main" w="9525">
                   <a:solidFill>
                     <a:srgbClr val="000000"/>
                   </a:solidFill>
@@ -3601,7 +3607,7 @@
             </a:ln>
             <a:extLst>
               <a:ext uri="{91240B29-F687-4f45-9708-019B960494DF}">
-                <a14:hiddenLine xmlns:a14="http://schemas.microsoft.com/office/drawing/2010/main" xmlns="" w="9525">
+                <a14:hiddenLine xmlns="" xmlns:a14="http://schemas.microsoft.com/office/drawing/2010/main" w="9525">
                   <a:solidFill>
                     <a:srgbClr val="000000"/>
                   </a:solidFill>
@@ -3666,7 +3672,7 @@
             </a:ln>
             <a:extLst>
               <a:ext uri="{91240B29-F687-4f45-9708-019B960494DF}">
-                <a14:hiddenLine xmlns:a14="http://schemas.microsoft.com/office/drawing/2010/main" xmlns="" w="9525">
+                <a14:hiddenLine xmlns="" xmlns:a14="http://schemas.microsoft.com/office/drawing/2010/main" w="9525">
                   <a:solidFill>
                     <a:srgbClr val="000000"/>
                   </a:solidFill>
@@ -3728,7 +3734,7 @@
             </a:ln>
             <a:extLst>
               <a:ext uri="{91240B29-F687-4f45-9708-019B960494DF}">
-                <a14:hiddenLine xmlns:a14="http://schemas.microsoft.com/office/drawing/2010/main" xmlns="" w="9525">
+                <a14:hiddenLine xmlns="" xmlns:a14="http://schemas.microsoft.com/office/drawing/2010/main" w="9525">
                   <a:solidFill>
                     <a:srgbClr val="000000"/>
                   </a:solidFill>
@@ -3818,7 +3824,7 @@
             </a:ln>
             <a:extLst>
               <a:ext uri="{91240B29-F687-4f45-9708-019B960494DF}">
-                <a14:hiddenLine xmlns:a14="http://schemas.microsoft.com/office/drawing/2010/main" xmlns="" w="9525">
+                <a14:hiddenLine xmlns="" xmlns:a14="http://schemas.microsoft.com/office/drawing/2010/main" w="9525">
                   <a:solidFill>
                     <a:srgbClr val="000000"/>
                   </a:solidFill>
@@ -3908,7 +3914,7 @@
             </a:ln>
             <a:extLst>
               <a:ext uri="{91240B29-F687-4f45-9708-019B960494DF}">
-                <a14:hiddenLine xmlns:a14="http://schemas.microsoft.com/office/drawing/2010/main" xmlns="" w="9525">
+                <a14:hiddenLine xmlns="" xmlns:a14="http://schemas.microsoft.com/office/drawing/2010/main" w="9525">
                   <a:solidFill>
                     <a:srgbClr val="000000"/>
                   </a:solidFill>
@@ -3970,7 +3976,7 @@
             </a:ln>
             <a:extLst>
               <a:ext uri="{91240B29-F687-4f45-9708-019B960494DF}">
-                <a14:hiddenLine xmlns:a14="http://schemas.microsoft.com/office/drawing/2010/main" xmlns="" w="9525">
+                <a14:hiddenLine xmlns="" xmlns:a14="http://schemas.microsoft.com/office/drawing/2010/main" w="9525">
                   <a:solidFill>
                     <a:srgbClr val="000000"/>
                   </a:solidFill>
@@ -4090,7 +4096,7 @@
             </a:ln>
             <a:extLst>
               <a:ext uri="{91240B29-F687-4f45-9708-019B960494DF}">
-                <a14:hiddenLine xmlns:a14="http://schemas.microsoft.com/office/drawing/2010/main" xmlns="" w="9525">
+                <a14:hiddenLine xmlns="" xmlns:a14="http://schemas.microsoft.com/office/drawing/2010/main" w="9525">
                   <a:solidFill>
                     <a:srgbClr val="000000"/>
                   </a:solidFill>
@@ -4158,7 +4164,7 @@
             </a:ln>
             <a:extLst>
               <a:ext uri="{91240B29-F687-4f45-9708-019B960494DF}">
-                <a14:hiddenLine xmlns:a14="http://schemas.microsoft.com/office/drawing/2010/main" xmlns="" w="9525">
+                <a14:hiddenLine xmlns="" xmlns:a14="http://schemas.microsoft.com/office/drawing/2010/main" w="9525">
                   <a:solidFill>
                     <a:srgbClr val="000000"/>
                   </a:solidFill>
@@ -4248,7 +4254,7 @@
             </a:ln>
             <a:extLst>
               <a:ext uri="{91240B29-F687-4f45-9708-019B960494DF}">
-                <a14:hiddenLine xmlns:a14="http://schemas.microsoft.com/office/drawing/2010/main" xmlns="" w="9525">
+                <a14:hiddenLine xmlns="" xmlns:a14="http://schemas.microsoft.com/office/drawing/2010/main" w="9525">
                   <a:solidFill>
                     <a:srgbClr val="000000"/>
                   </a:solidFill>
@@ -4388,7 +4394,7 @@
           <a:p>
             <a:fld id="{48A87A34-81AB-432B-8DAE-1953F412C126}" type="datetimeFigureOut">
               <a:rPr lang="en-US" dirty="0"/>
-              <a:t>11/9/21</a:t>
+              <a:t>11/10/21</a:t>
             </a:fld>
             <a:endParaRPr lang="en-US" dirty="0"/>
           </a:p>
@@ -4650,7 +4656,7 @@
           <a:p>
             <a:fld id="{48A87A34-81AB-432B-8DAE-1953F412C126}" type="datetimeFigureOut">
               <a:rPr lang="en-US" dirty="0"/>
-              <a:t>11/9/21</a:t>
+              <a:t>11/10/21</a:t>
             </a:fld>
             <a:endParaRPr lang="en-US" dirty="0"/>
           </a:p>
@@ -4841,7 +4847,7 @@
           <a:p>
             <a:fld id="{48A87A34-81AB-432B-8DAE-1953F412C126}" type="datetimeFigureOut">
               <a:rPr lang="en-US" dirty="0"/>
-              <a:t>11/9/21</a:t>
+              <a:t>11/10/21</a:t>
             </a:fld>
             <a:endParaRPr lang="en-US" dirty="0"/>
           </a:p>
@@ -5099,7 +5105,7 @@
           <a:p>
             <a:fld id="{48A87A34-81AB-432B-8DAE-1953F412C126}" type="datetimeFigureOut">
               <a:rPr lang="en-US" dirty="0"/>
-              <a:t>11/9/21</a:t>
+              <a:t>11/10/21</a:t>
             </a:fld>
             <a:endParaRPr lang="en-US" dirty="0"/>
           </a:p>
@@ -5528,7 +5534,7 @@
           <a:p>
             <a:fld id="{48A87A34-81AB-432B-8DAE-1953F412C126}" type="datetimeFigureOut">
               <a:rPr lang="en-US" dirty="0"/>
-              <a:t>11/9/21</a:t>
+              <a:t>11/10/21</a:t>
             </a:fld>
             <a:endParaRPr lang="en-US" dirty="0"/>
           </a:p>
@@ -6069,7 +6075,7 @@
           <a:p>
             <a:fld id="{48A87A34-81AB-432B-8DAE-1953F412C126}" type="datetimeFigureOut">
               <a:rPr lang="en-US" dirty="0"/>
-              <a:t>11/9/21</a:t>
+              <a:t>11/10/21</a:t>
             </a:fld>
             <a:endParaRPr lang="en-US" dirty="0"/>
           </a:p>
@@ -6784,7 +6790,7 @@
           <a:p>
             <a:fld id="{48A87A34-81AB-432B-8DAE-1953F412C126}" type="datetimeFigureOut">
               <a:rPr lang="en-US" dirty="0"/>
-              <a:t>11/9/21</a:t>
+              <a:t>11/10/21</a:t>
             </a:fld>
             <a:endParaRPr lang="en-US" dirty="0"/>
           </a:p>
@@ -6949,7 +6955,7 @@
           <a:p>
             <a:fld id="{48A87A34-81AB-432B-8DAE-1953F412C126}" type="datetimeFigureOut">
               <a:rPr lang="en-US" dirty="0"/>
-              <a:t>11/9/21</a:t>
+              <a:t>11/10/21</a:t>
             </a:fld>
             <a:endParaRPr lang="en-US" dirty="0"/>
           </a:p>
@@ -7124,7 +7130,7 @@
           <a:p>
             <a:fld id="{48A87A34-81AB-432B-8DAE-1953F412C126}" type="datetimeFigureOut">
               <a:rPr lang="en-US" dirty="0"/>
-              <a:t>11/9/21</a:t>
+              <a:t>11/10/21</a:t>
             </a:fld>
             <a:endParaRPr lang="en-US" dirty="0"/>
           </a:p>
@@ -7289,7 +7295,7 @@
           <a:p>
             <a:fld id="{48A87A34-81AB-432B-8DAE-1953F412C126}" type="datetimeFigureOut">
               <a:rPr lang="en-US" dirty="0"/>
-              <a:t>11/9/21</a:t>
+              <a:t>11/10/21</a:t>
             </a:fld>
             <a:endParaRPr lang="en-US" dirty="0"/>
           </a:p>
@@ -7534,7 +7540,7 @@
           <a:p>
             <a:fld id="{48A87A34-81AB-432B-8DAE-1953F412C126}" type="datetimeFigureOut">
               <a:rPr lang="en-US" dirty="0"/>
-              <a:t>11/9/21</a:t>
+              <a:t>11/10/21</a:t>
             </a:fld>
             <a:endParaRPr lang="en-US" dirty="0"/>
           </a:p>
@@ -7761,7 +7767,7 @@
           <a:p>
             <a:fld id="{48A87A34-81AB-432B-8DAE-1953F412C126}" type="datetimeFigureOut">
               <a:rPr lang="en-US" dirty="0"/>
-              <a:t>11/9/21</a:t>
+              <a:t>11/10/21</a:t>
             </a:fld>
             <a:endParaRPr lang="en-US" dirty="0"/>
           </a:p>
@@ -8137,7 +8143,7 @@
           <a:p>
             <a:fld id="{48A87A34-81AB-432B-8DAE-1953F412C126}" type="datetimeFigureOut">
               <a:rPr lang="en-US" dirty="0"/>
-              <a:t>11/9/21</a:t>
+              <a:t>11/10/21</a:t>
             </a:fld>
             <a:endParaRPr lang="en-US" dirty="0"/>
           </a:p>
@@ -8250,7 +8256,7 @@
           <a:p>
             <a:fld id="{48A87A34-81AB-432B-8DAE-1953F412C126}" type="datetimeFigureOut">
               <a:rPr lang="en-US" dirty="0"/>
-              <a:t>11/9/21</a:t>
+              <a:t>11/10/21</a:t>
             </a:fld>
             <a:endParaRPr lang="en-US" dirty="0"/>
           </a:p>
@@ -8340,7 +8346,7 @@
           <a:p>
             <a:fld id="{48A87A34-81AB-432B-8DAE-1953F412C126}" type="datetimeFigureOut">
               <a:rPr lang="en-US" dirty="0"/>
-              <a:t>11/9/21</a:t>
+              <a:t>11/10/21</a:t>
             </a:fld>
             <a:endParaRPr lang="en-US" dirty="0"/>
           </a:p>
@@ -8584,7 +8590,7 @@
           <a:p>
             <a:fld id="{48A87A34-81AB-432B-8DAE-1953F412C126}" type="datetimeFigureOut">
               <a:rPr lang="en-US" dirty="0"/>
-              <a:t>11/9/21</a:t>
+              <a:t>11/10/21</a:t>
             </a:fld>
             <a:endParaRPr lang="en-US" dirty="0"/>
           </a:p>
@@ -8859,7 +8865,7 @@
           <a:p>
             <a:fld id="{48A87A34-81AB-432B-8DAE-1953F412C126}" type="datetimeFigureOut">
               <a:rPr lang="en-US" dirty="0"/>
-              <a:t>11/9/21</a:t>
+              <a:t>11/10/21</a:t>
             </a:fld>
             <a:endParaRPr lang="en-US" dirty="0"/>
           </a:p>
@@ -8970,7 +8976,7 @@
           <a:noFill/>
           <a:extLst>
             <a:ext uri="{909E8E84-426E-40dd-AFC4-6F175D3DCCD1}">
-              <a14:hiddenFill xmlns:a14="http://schemas.microsoft.com/office/drawing/2010/main" xmlns="">
+              <a14:hiddenFill xmlns="" xmlns:a14="http://schemas.microsoft.com/office/drawing/2010/main">
                 <a:solidFill>
                   <a:srgbClr val="FFFFFF"/>
                 </a:solidFill>
@@ -9044,7 +9050,7 @@
               </a:ln>
               <a:extLst>
                 <a:ext uri="{91240B29-F687-4f45-9708-019B960494DF}">
-                  <a14:hiddenLine xmlns:a14="http://schemas.microsoft.com/office/drawing/2010/main" xmlns="" w="9525">
+                  <a14:hiddenLine xmlns="" xmlns:a14="http://schemas.microsoft.com/office/drawing/2010/main" w="9525">
                     <a:solidFill>
                       <a:srgbClr val="000000"/>
                     </a:solidFill>
@@ -9134,7 +9140,7 @@
               </a:ln>
               <a:extLst>
                 <a:ext uri="{91240B29-F687-4f45-9708-019B960494DF}">
-                  <a14:hiddenLine xmlns:a14="http://schemas.microsoft.com/office/drawing/2010/main" xmlns="" w="9525">
+                  <a14:hiddenLine xmlns="" xmlns:a14="http://schemas.microsoft.com/office/drawing/2010/main" w="9525">
                     <a:solidFill>
                       <a:srgbClr val="000000"/>
                     </a:solidFill>
@@ -9224,7 +9230,7 @@
               </a:ln>
               <a:extLst>
                 <a:ext uri="{91240B29-F687-4f45-9708-019B960494DF}">
-                  <a14:hiddenLine xmlns:a14="http://schemas.microsoft.com/office/drawing/2010/main" xmlns="" w="9525">
+                  <a14:hiddenLine xmlns="" xmlns:a14="http://schemas.microsoft.com/office/drawing/2010/main" w="9525">
                     <a:solidFill>
                       <a:srgbClr val="000000"/>
                     </a:solidFill>
@@ -9286,7 +9292,7 @@
               </a:ln>
               <a:extLst>
                 <a:ext uri="{91240B29-F687-4f45-9708-019B960494DF}">
-                  <a14:hiddenLine xmlns:a14="http://schemas.microsoft.com/office/drawing/2010/main" xmlns="" w="9525">
+                  <a14:hiddenLine xmlns="" xmlns:a14="http://schemas.microsoft.com/office/drawing/2010/main" w="9525">
                     <a:solidFill>
                       <a:srgbClr val="000000"/>
                     </a:solidFill>
@@ -9376,7 +9382,7 @@
               </a:ln>
               <a:extLst>
                 <a:ext uri="{91240B29-F687-4f45-9708-019B960494DF}">
-                  <a14:hiddenLine xmlns:a14="http://schemas.microsoft.com/office/drawing/2010/main" xmlns="" w="9525">
+                  <a14:hiddenLine xmlns="" xmlns:a14="http://schemas.microsoft.com/office/drawing/2010/main" w="9525">
                     <a:solidFill>
                       <a:srgbClr val="000000"/>
                     </a:solidFill>
@@ -9438,7 +9444,7 @@
               </a:ln>
               <a:extLst>
                 <a:ext uri="{91240B29-F687-4f45-9708-019B960494DF}">
-                  <a14:hiddenLine xmlns:a14="http://schemas.microsoft.com/office/drawing/2010/main" xmlns="" w="9525">
+                  <a14:hiddenLine xmlns="" xmlns:a14="http://schemas.microsoft.com/office/drawing/2010/main" w="9525">
                     <a:solidFill>
                       <a:srgbClr val="000000"/>
                     </a:solidFill>
@@ -9500,7 +9506,7 @@
               </a:ln>
               <a:extLst>
                 <a:ext uri="{91240B29-F687-4f45-9708-019B960494DF}">
-                  <a14:hiddenLine xmlns:a14="http://schemas.microsoft.com/office/drawing/2010/main" xmlns="" w="9525">
+                  <a14:hiddenLine xmlns="" xmlns:a14="http://schemas.microsoft.com/office/drawing/2010/main" w="9525">
                     <a:solidFill>
                       <a:srgbClr val="000000"/>
                     </a:solidFill>
@@ -9590,7 +9596,7 @@
               </a:ln>
               <a:extLst>
                 <a:ext uri="{91240B29-F687-4f45-9708-019B960494DF}">
-                  <a14:hiddenLine xmlns:a14="http://schemas.microsoft.com/office/drawing/2010/main" xmlns="" w="9525">
+                  <a14:hiddenLine xmlns="" xmlns:a14="http://schemas.microsoft.com/office/drawing/2010/main" w="9525">
                     <a:solidFill>
                       <a:srgbClr val="000000"/>
                     </a:solidFill>
@@ -9680,7 +9686,7 @@
               </a:ln>
               <a:extLst>
                 <a:ext uri="{91240B29-F687-4f45-9708-019B960494DF}">
-                  <a14:hiddenLine xmlns:a14="http://schemas.microsoft.com/office/drawing/2010/main" xmlns="" w="9525">
+                  <a14:hiddenLine xmlns="" xmlns:a14="http://schemas.microsoft.com/office/drawing/2010/main" w="9525">
                     <a:solidFill>
                       <a:srgbClr val="000000"/>
                     </a:solidFill>
@@ -9742,7 +9748,7 @@
               </a:ln>
               <a:extLst>
                 <a:ext uri="{91240B29-F687-4f45-9708-019B960494DF}">
-                  <a14:hiddenLine xmlns:a14="http://schemas.microsoft.com/office/drawing/2010/main" xmlns="" w="9525">
+                  <a14:hiddenLine xmlns="" xmlns:a14="http://schemas.microsoft.com/office/drawing/2010/main" w="9525">
                     <a:solidFill>
                       <a:srgbClr val="000000"/>
                     </a:solidFill>
@@ -9852,7 +9858,7 @@
               </a:ln>
               <a:extLst>
                 <a:ext uri="{91240B29-F687-4f45-9708-019B960494DF}">
-                  <a14:hiddenLine xmlns:a14="http://schemas.microsoft.com/office/drawing/2010/main" xmlns="" w="9525">
+                  <a14:hiddenLine xmlns="" xmlns:a14="http://schemas.microsoft.com/office/drawing/2010/main" w="9525">
                     <a:solidFill>
                       <a:srgbClr val="000000"/>
                     </a:solidFill>
@@ -9936,7 +9942,7 @@
               </a:ln>
               <a:extLst>
                 <a:ext uri="{91240B29-F687-4f45-9708-019B960494DF}">
-                  <a14:hiddenLine xmlns:a14="http://schemas.microsoft.com/office/drawing/2010/main" xmlns="" w="9525">
+                  <a14:hiddenLine xmlns="" xmlns:a14="http://schemas.microsoft.com/office/drawing/2010/main" w="9525">
                     <a:solidFill>
                       <a:srgbClr val="000000"/>
                     </a:solidFill>
@@ -9998,7 +10004,7 @@
               </a:ln>
               <a:extLst>
                 <a:ext uri="{91240B29-F687-4f45-9708-019B960494DF}">
-                  <a14:hiddenLine xmlns:a14="http://schemas.microsoft.com/office/drawing/2010/main" xmlns="" w="9525">
+                  <a14:hiddenLine xmlns="" xmlns:a14="http://schemas.microsoft.com/office/drawing/2010/main" w="9525">
                     <a:solidFill>
                       <a:srgbClr val="000000"/>
                     </a:solidFill>
@@ -10060,7 +10066,7 @@
               </a:ln>
               <a:extLst>
                 <a:ext uri="{91240B29-F687-4f45-9708-019B960494DF}">
-                  <a14:hiddenLine xmlns:a14="http://schemas.microsoft.com/office/drawing/2010/main" xmlns="" w="9525">
+                  <a14:hiddenLine xmlns="" xmlns:a14="http://schemas.microsoft.com/office/drawing/2010/main" w="9525">
                     <a:solidFill>
                       <a:srgbClr val="000000"/>
                     </a:solidFill>
@@ -10150,7 +10156,7 @@
               </a:ln>
               <a:extLst>
                 <a:ext uri="{91240B29-F687-4f45-9708-019B960494DF}">
-                  <a14:hiddenLine xmlns:a14="http://schemas.microsoft.com/office/drawing/2010/main" xmlns="" w="9525">
+                  <a14:hiddenLine xmlns="" xmlns:a14="http://schemas.microsoft.com/office/drawing/2010/main" w="9525">
                     <a:solidFill>
                       <a:srgbClr val="000000"/>
                     </a:solidFill>
@@ -10184,7 +10190,7 @@
               </a:ln>
               <a:extLst>
                 <a:ext uri="{91240B29-F687-4f45-9708-019B960494DF}">
-                  <a14:hiddenLine xmlns:a14="http://schemas.microsoft.com/office/drawing/2010/main" xmlns="" w="9525">
+                  <a14:hiddenLine xmlns="" xmlns:a14="http://schemas.microsoft.com/office/drawing/2010/main" w="9525">
                     <a:solidFill>
                       <a:srgbClr val="000000"/>
                     </a:solidFill>
@@ -10249,7 +10255,7 @@
               </a:ln>
               <a:extLst>
                 <a:ext uri="{91240B29-F687-4f45-9708-019B960494DF}">
-                  <a14:hiddenLine xmlns:a14="http://schemas.microsoft.com/office/drawing/2010/main" xmlns="" w="9525">
+                  <a14:hiddenLine xmlns="" xmlns:a14="http://schemas.microsoft.com/office/drawing/2010/main" w="9525">
                     <a:solidFill>
                       <a:srgbClr val="000000"/>
                     </a:solidFill>
@@ -10339,7 +10345,7 @@
               </a:ln>
               <a:extLst>
                 <a:ext uri="{91240B29-F687-4f45-9708-019B960494DF}">
-                  <a14:hiddenLine xmlns:a14="http://schemas.microsoft.com/office/drawing/2010/main" xmlns="" w="9525">
+                  <a14:hiddenLine xmlns="" xmlns:a14="http://schemas.microsoft.com/office/drawing/2010/main" w="9525">
                     <a:solidFill>
                       <a:srgbClr val="000000"/>
                     </a:solidFill>
@@ -10401,7 +10407,7 @@
               </a:ln>
               <a:extLst>
                 <a:ext uri="{91240B29-F687-4f45-9708-019B960494DF}">
-                  <a14:hiddenLine xmlns:a14="http://schemas.microsoft.com/office/drawing/2010/main" xmlns="" w="9525">
+                  <a14:hiddenLine xmlns="" xmlns:a14="http://schemas.microsoft.com/office/drawing/2010/main" w="9525">
                     <a:solidFill>
                       <a:srgbClr val="000000"/>
                     </a:solidFill>
@@ -10491,7 +10497,7 @@
               </a:ln>
               <a:extLst>
                 <a:ext uri="{91240B29-F687-4f45-9708-019B960494DF}">
-                  <a14:hiddenLine xmlns:a14="http://schemas.microsoft.com/office/drawing/2010/main" xmlns="" w="9525">
+                  <a14:hiddenLine xmlns="" xmlns:a14="http://schemas.microsoft.com/office/drawing/2010/main" w="9525">
                     <a:solidFill>
                       <a:srgbClr val="000000"/>
                     </a:solidFill>
@@ -10556,7 +10562,7 @@
               </a:ln>
               <a:extLst>
                 <a:ext uri="{91240B29-F687-4f45-9708-019B960494DF}">
-                  <a14:hiddenLine xmlns:a14="http://schemas.microsoft.com/office/drawing/2010/main" xmlns="" w="9525">
+                  <a14:hiddenLine xmlns="" xmlns:a14="http://schemas.microsoft.com/office/drawing/2010/main" w="9525">
                     <a:solidFill>
                       <a:srgbClr val="000000"/>
                     </a:solidFill>
@@ -10618,7 +10624,7 @@
               </a:ln>
               <a:extLst>
                 <a:ext uri="{91240B29-F687-4f45-9708-019B960494DF}">
-                  <a14:hiddenLine xmlns:a14="http://schemas.microsoft.com/office/drawing/2010/main" xmlns="" w="9525">
+                  <a14:hiddenLine xmlns="" xmlns:a14="http://schemas.microsoft.com/office/drawing/2010/main" w="9525">
                     <a:solidFill>
                       <a:srgbClr val="000000"/>
                     </a:solidFill>
@@ -10708,7 +10714,7 @@
               </a:ln>
               <a:extLst>
                 <a:ext uri="{91240B29-F687-4f45-9708-019B960494DF}">
-                  <a14:hiddenLine xmlns:a14="http://schemas.microsoft.com/office/drawing/2010/main" xmlns="" w="9525">
+                  <a14:hiddenLine xmlns="" xmlns:a14="http://schemas.microsoft.com/office/drawing/2010/main" w="9525">
                     <a:solidFill>
                       <a:srgbClr val="000000"/>
                     </a:solidFill>
@@ -10798,7 +10804,7 @@
               </a:ln>
               <a:extLst>
                 <a:ext uri="{91240B29-F687-4f45-9708-019B960494DF}">
-                  <a14:hiddenLine xmlns:a14="http://schemas.microsoft.com/office/drawing/2010/main" xmlns="" w="9525">
+                  <a14:hiddenLine xmlns="" xmlns:a14="http://schemas.microsoft.com/office/drawing/2010/main" w="9525">
                     <a:solidFill>
                       <a:srgbClr val="000000"/>
                     </a:solidFill>
@@ -10863,7 +10869,7 @@
               </a:ln>
               <a:extLst>
                 <a:ext uri="{91240B29-F687-4f45-9708-019B960494DF}">
-                  <a14:hiddenLine xmlns:a14="http://schemas.microsoft.com/office/drawing/2010/main" xmlns="" w="9525">
+                  <a14:hiddenLine xmlns="" xmlns:a14="http://schemas.microsoft.com/office/drawing/2010/main" w="9525">
                     <a:solidFill>
                       <a:srgbClr val="000000"/>
                     </a:solidFill>
@@ -10983,7 +10989,7 @@
               </a:ln>
               <a:extLst>
                 <a:ext uri="{91240B29-F687-4f45-9708-019B960494DF}">
-                  <a14:hiddenLine xmlns:a14="http://schemas.microsoft.com/office/drawing/2010/main" xmlns="" w="9525">
+                  <a14:hiddenLine xmlns="" xmlns:a14="http://schemas.microsoft.com/office/drawing/2010/main" w="9525">
                     <a:solidFill>
                       <a:srgbClr val="000000"/>
                     </a:solidFill>
@@ -11081,7 +11087,7 @@
               </a:ln>
               <a:extLst>
                 <a:ext uri="{91240B29-F687-4f45-9708-019B960494DF}">
-                  <a14:hiddenLine xmlns:a14="http://schemas.microsoft.com/office/drawing/2010/main" xmlns="" w="9525">
+                  <a14:hiddenLine xmlns="" xmlns:a14="http://schemas.microsoft.com/office/drawing/2010/main" w="9525">
                     <a:solidFill>
                       <a:srgbClr val="000000"/>
                     </a:solidFill>
@@ -11196,7 +11202,7 @@
               </a:ln>
               <a:extLst>
                 <a:ext uri="{91240B29-F687-4f45-9708-019B960494DF}">
-                  <a14:hiddenLine xmlns:a14="http://schemas.microsoft.com/office/drawing/2010/main" xmlns="" w="9525">
+                  <a14:hiddenLine xmlns="" xmlns:a14="http://schemas.microsoft.com/office/drawing/2010/main" w="9525">
                     <a:solidFill>
                       <a:srgbClr val="000000"/>
                     </a:solidFill>
@@ -11286,7 +11292,7 @@
               </a:ln>
               <a:extLst>
                 <a:ext uri="{91240B29-F687-4f45-9708-019B960494DF}">
-                  <a14:hiddenLine xmlns:a14="http://schemas.microsoft.com/office/drawing/2010/main" xmlns="" w="9525">
+                  <a14:hiddenLine xmlns="" xmlns:a14="http://schemas.microsoft.com/office/drawing/2010/main" w="9525">
                     <a:solidFill>
                       <a:srgbClr val="000000"/>
                     </a:solidFill>
@@ -11351,7 +11357,7 @@
               </a:ln>
               <a:extLst>
                 <a:ext uri="{91240B29-F687-4f45-9708-019B960494DF}">
-                  <a14:hiddenLine xmlns:a14="http://schemas.microsoft.com/office/drawing/2010/main" xmlns="" w="9525">
+                  <a14:hiddenLine xmlns="" xmlns:a14="http://schemas.microsoft.com/office/drawing/2010/main" w="9525">
                     <a:solidFill>
                       <a:srgbClr val="000000"/>
                     </a:solidFill>
@@ -11441,7 +11447,7 @@
               </a:ln>
               <a:extLst>
                 <a:ext uri="{91240B29-F687-4f45-9708-019B960494DF}">
-                  <a14:hiddenLine xmlns:a14="http://schemas.microsoft.com/office/drawing/2010/main" xmlns="" w="9525">
+                  <a14:hiddenLine xmlns="" xmlns:a14="http://schemas.microsoft.com/office/drawing/2010/main" w="9525">
                     <a:solidFill>
                       <a:srgbClr val="000000"/>
                     </a:solidFill>
@@ -11509,7 +11515,7 @@
               </a:ln>
               <a:extLst>
                 <a:ext uri="{91240B29-F687-4f45-9708-019B960494DF}">
-                  <a14:hiddenLine xmlns:a14="http://schemas.microsoft.com/office/drawing/2010/main" xmlns="" w="9525">
+                  <a14:hiddenLine xmlns="" xmlns:a14="http://schemas.microsoft.com/office/drawing/2010/main" w="9525">
                     <a:solidFill>
                       <a:srgbClr val="000000"/>
                     </a:solidFill>
@@ -11599,7 +11605,7 @@
               </a:ln>
               <a:extLst>
                 <a:ext uri="{91240B29-F687-4f45-9708-019B960494DF}">
-                  <a14:hiddenLine xmlns:a14="http://schemas.microsoft.com/office/drawing/2010/main" xmlns="" w="9525">
+                  <a14:hiddenLine xmlns="" xmlns:a14="http://schemas.microsoft.com/office/drawing/2010/main" w="9525">
                     <a:solidFill>
                       <a:srgbClr val="000000"/>
                     </a:solidFill>
@@ -11667,7 +11673,7 @@
               </a:ln>
               <a:extLst>
                 <a:ext uri="{91240B29-F687-4f45-9708-019B960494DF}">
-                  <a14:hiddenLine xmlns:a14="http://schemas.microsoft.com/office/drawing/2010/main" xmlns="" w="9525">
+                  <a14:hiddenLine xmlns="" xmlns:a14="http://schemas.microsoft.com/office/drawing/2010/main" w="9525">
                     <a:solidFill>
                       <a:srgbClr val="000000"/>
                     </a:solidFill>
@@ -11757,7 +11763,7 @@
               </a:ln>
               <a:extLst>
                 <a:ext uri="{91240B29-F687-4f45-9708-019B960494DF}">
-                  <a14:hiddenLine xmlns:a14="http://schemas.microsoft.com/office/drawing/2010/main" xmlns="" w="9525">
+                  <a14:hiddenLine xmlns="" xmlns:a14="http://schemas.microsoft.com/office/drawing/2010/main" w="9525">
                     <a:solidFill>
                       <a:srgbClr val="000000"/>
                     </a:solidFill>
@@ -11791,7 +11797,7 @@
               </a:ln>
               <a:extLst>
                 <a:ext uri="{91240B29-F687-4f45-9708-019B960494DF}">
-                  <a14:hiddenLine xmlns:a14="http://schemas.microsoft.com/office/drawing/2010/main" xmlns="" w="9525">
+                  <a14:hiddenLine xmlns="" xmlns:a14="http://schemas.microsoft.com/office/drawing/2010/main" w="9525">
                     <a:solidFill>
                       <a:srgbClr val="000000"/>
                     </a:solidFill>
@@ -11932,7 +11938,7 @@
             <a:fld id="{48A87A34-81AB-432B-8DAE-1953F412C126}" type="datetimeFigureOut">
               <a:rPr lang="en-US" dirty="0"/>
               <a:pPr/>
-              <a:t>11/9/21</a:t>
+              <a:t>11/10/21</a:t>
             </a:fld>
             <a:endParaRPr lang="en-US" dirty="0"/>
           </a:p>
@@ -12492,10 +12498,38 @@
         </p:nvSpPr>
         <p:spPr/>
         <p:txBody>
-          <a:bodyPr/>
+          <a:bodyPr>
+            <a:normAutofit/>
+          </a:bodyPr>
           <a:lstStyle/>
           <a:p>
-            <a:endParaRPr lang="en-US"/>
+            <a:endParaRPr lang="en-US" dirty="0"/>
+          </a:p>
+          <a:p>
+            <a:r>
+              <a:rPr lang="en-US" dirty="0"/>
+              <a:t>We hypothesized that property crime counts might vary similarly </a:t>
+            </a:r>
+            <a:r>
+              <a:rPr lang="en-US" dirty="0" err="1"/>
+              <a:t>tothe</a:t>
+            </a:r>
+            <a:r>
+              <a:rPr lang="en-US" dirty="0"/>
+              <a:t> unemployment rate in the United States</a:t>
+            </a:r>
+          </a:p>
+          <a:p>
+            <a:r>
+              <a:rPr lang="en-US" dirty="0"/>
+              <a:t>We extracted data from the FBI Crime Data Explorer API and the Bureau of Labor Statistics Public Data API</a:t>
+            </a:r>
+          </a:p>
+          <a:p>
+            <a:r>
+              <a:rPr lang="en-US" dirty="0"/>
+              <a:t>We collected statistics on national property crime counts with the unemployment rate and limited to a window of the past 10 years</a:t>
+            </a:r>
           </a:p>
         </p:txBody>
       </p:sp>
@@ -12534,7 +12568,7 @@
           <p:cNvPr id="2" name="Title 1">
             <a:extLst>
               <a:ext uri="{FF2B5EF4-FFF2-40B4-BE49-F238E27FC236}">
-                <a16:creationId xmlns:a16="http://schemas.microsoft.com/office/drawing/2014/main" id="{4121C57B-75A0-9E43-A8A6-A8025154DFE8}"/>
+                <a16:creationId xmlns:a16="http://schemas.microsoft.com/office/drawing/2014/main" id="{6FF2C87C-C955-5243-9B45-67F6293F06DF}"/>
               </a:ext>
             </a:extLst>
           </p:cNvPr>
@@ -12552,7 +12586,7 @@
           <a:p>
             <a:r>
               <a:rPr lang="en-US" dirty="0"/>
-              <a:t>Unemployment rate</a:t>
+              <a:t>Crime Definitions</a:t>
             </a:r>
           </a:p>
         </p:txBody>
@@ -12562,7 +12596,7 @@
           <p:cNvPr id="3" name="Content Placeholder 2">
             <a:extLst>
               <a:ext uri="{FF2B5EF4-FFF2-40B4-BE49-F238E27FC236}">
-                <a16:creationId xmlns:a16="http://schemas.microsoft.com/office/drawing/2014/main" id="{2768874B-EAA5-D34C-B73D-39561B44C6D9}"/>
+                <a16:creationId xmlns:a16="http://schemas.microsoft.com/office/drawing/2014/main" id="{B4BE1E40-9FB1-6D40-89D2-082D6D4624B8}"/>
               </a:ext>
             </a:extLst>
           </p:cNvPr>
@@ -12573,19 +12607,53 @@
             <p:ph idx="1"/>
           </p:nvPr>
         </p:nvSpPr>
-        <p:spPr/>
+        <p:spPr>
+          <a:xfrm>
+            <a:off x="1141412" y="1773716"/>
+            <a:ext cx="9905999" cy="4263527"/>
+          </a:xfrm>
+        </p:spPr>
         <p:txBody>
-          <a:bodyPr/>
+          <a:bodyPr>
+            <a:normAutofit fontScale="92500"/>
+          </a:bodyPr>
           <a:lstStyle/>
           <a:p>
-            <a:endParaRPr lang="en-US"/>
+            <a:r>
+              <a:rPr lang="en-US" dirty="0"/>
+              <a:t>property crime: a category of crime, usually involving private property, that includes burglary, larceny, theft, motor vehicle theft, arson, shoplifting, and vandalism</a:t>
+            </a:r>
+          </a:p>
+          <a:p>
+            <a:r>
+              <a:rPr lang="en-US" dirty="0"/>
+              <a:t>burglary: entry into a building with the intent to commit a crime, most often theft, robbery, or murder</a:t>
+            </a:r>
+          </a:p>
+          <a:p>
+            <a:r>
+              <a:rPr lang="en-US" dirty="0"/>
+              <a:t>robbery: taking property unlawfully from a person or place by force or threat of force</a:t>
+            </a:r>
+          </a:p>
+          <a:p>
+            <a:r>
+              <a:rPr lang="en-US" dirty="0"/>
+              <a:t>larceny: the theft of physical items that are personal property, without threat of force (theft includes all variations on stealing property from another person or entity)</a:t>
+            </a:r>
+          </a:p>
+          <a:p>
+            <a:r>
+              <a:rPr lang="en-US" dirty="0"/>
+              <a:t>stolen property offense: actions taken with property known to be stolen</a:t>
+            </a:r>
           </a:p>
         </p:txBody>
       </p:sp>
     </p:spTree>
     <p:extLst>
       <p:ext uri="{BB962C8B-B14F-4D97-AF65-F5344CB8AC3E}">
-        <p14:creationId xmlns:p14="http://schemas.microsoft.com/office/powerpoint/2010/main" val="898782745"/>
+        <p14:creationId xmlns:p14="http://schemas.microsoft.com/office/powerpoint/2010/main" val="223173074"/>
       </p:ext>
     </p:extLst>
   </p:cSld>
@@ -12628,6 +12696,174 @@
             <p:ph type="title"/>
           </p:nvPr>
         </p:nvSpPr>
+        <p:spPr>
+          <a:xfrm>
+            <a:off x="1141413" y="618518"/>
+            <a:ext cx="9905998" cy="802658"/>
+          </a:xfrm>
+        </p:spPr>
+        <p:txBody>
+          <a:bodyPr/>
+          <a:lstStyle/>
+          <a:p>
+            <a:r>
+              <a:rPr lang="en-US" dirty="0"/>
+              <a:t>Property crime Stats</a:t>
+            </a:r>
+          </a:p>
+        </p:txBody>
+      </p:sp>
+      <p:graphicFrame>
+        <p:nvGraphicFramePr>
+          <p:cNvPr id="4" name="Table 4">
+            <a:extLst>
+              <a:ext uri="{FF2B5EF4-FFF2-40B4-BE49-F238E27FC236}">
+                <a16:creationId xmlns:a16="http://schemas.microsoft.com/office/drawing/2014/main" id="{B139A460-39FB-784B-B9B3-4BCD87FEA729}"/>
+              </a:ext>
+            </a:extLst>
+          </p:cNvPr>
+          <p:cNvGraphicFramePr>
+            <a:graphicFrameLocks noGrp="1"/>
+          </p:cNvGraphicFramePr>
+          <p:nvPr>
+            <p:ph idx="1"/>
+            <p:extLst>
+              <p:ext uri="{D42A27DB-BD31-4B8C-83A1-F6EECF244321}">
+                <p14:modId xmlns:p14="http://schemas.microsoft.com/office/powerpoint/2010/main" val="964470574"/>
+              </p:ext>
+            </p:extLst>
+          </p:nvPr>
+        </p:nvGraphicFramePr>
+        <p:xfrm>
+          <a:off x="1141413" y="1531345"/>
+          <a:ext cx="9906000" cy="4494882"/>
+        </p:xfrm>
+        <a:graphic>
+          <a:graphicData uri="http://schemas.openxmlformats.org/drawingml/2006/table">
+            <a:tbl>
+              <a:tblPr firstRow="1" bandRow="1">
+                <a:tableStyleId>{5C22544A-7EE6-4342-B048-85BDC9FD1C3A}</a:tableStyleId>
+              </a:tblPr>
+              <a:tblGrid>
+                <a:gridCol w="4939898">
+                  <a:extLst>
+                    <a:ext uri="{9D8B030D-6E8A-4147-A177-3AD203B41FA5}">
+                      <a16:colId xmlns:a16="http://schemas.microsoft.com/office/drawing/2014/main" val="801667559"/>
+                    </a:ext>
+                  </a:extLst>
+                </a:gridCol>
+                <a:gridCol w="4966102">
+                  <a:extLst>
+                    <a:ext uri="{9D8B030D-6E8A-4147-A177-3AD203B41FA5}">
+                      <a16:colId xmlns:a16="http://schemas.microsoft.com/office/drawing/2014/main" val="792234963"/>
+                    </a:ext>
+                  </a:extLst>
+                </a:gridCol>
+              </a:tblGrid>
+              <a:tr h="2247441">
+                <a:tc>
+                  <a:txBody>
+                    <a:bodyPr/>
+                    <a:lstStyle/>
+                    <a:p>
+                      <a:endParaRPr lang="en-US" dirty="0"/>
+                    </a:p>
+                  </a:txBody>
+                  <a:tcPr/>
+                </a:tc>
+                <a:tc>
+                  <a:txBody>
+                    <a:bodyPr/>
+                    <a:lstStyle/>
+                    <a:p>
+                      <a:endParaRPr lang="en-US" dirty="0"/>
+                    </a:p>
+                  </a:txBody>
+                  <a:tcPr/>
+                </a:tc>
+                <a:extLst>
+                  <a:ext uri="{0D108BD9-81ED-4DB2-BD59-A6C34878D82A}">
+                    <a16:rowId xmlns:a16="http://schemas.microsoft.com/office/drawing/2014/main" val="1039537402"/>
+                  </a:ext>
+                </a:extLst>
+              </a:tr>
+              <a:tr h="2247441">
+                <a:tc>
+                  <a:txBody>
+                    <a:bodyPr/>
+                    <a:lstStyle/>
+                    <a:p>
+                      <a:endParaRPr lang="en-US" dirty="0"/>
+                    </a:p>
+                  </a:txBody>
+                  <a:tcPr/>
+                </a:tc>
+                <a:tc>
+                  <a:txBody>
+                    <a:bodyPr/>
+                    <a:lstStyle/>
+                    <a:p>
+                      <a:endParaRPr lang="en-US" dirty="0"/>
+                    </a:p>
+                  </a:txBody>
+                  <a:tcPr/>
+                </a:tc>
+                <a:extLst>
+                  <a:ext uri="{0D108BD9-81ED-4DB2-BD59-A6C34878D82A}">
+                    <a16:rowId xmlns:a16="http://schemas.microsoft.com/office/drawing/2014/main" val="1225209187"/>
+                  </a:ext>
+                </a:extLst>
+              </a:tr>
+            </a:tbl>
+          </a:graphicData>
+        </a:graphic>
+      </p:graphicFrame>
+    </p:spTree>
+    <p:extLst>
+      <p:ext uri="{BB962C8B-B14F-4D97-AF65-F5344CB8AC3E}">
+        <p14:creationId xmlns:p14="http://schemas.microsoft.com/office/powerpoint/2010/main" val="143660024"/>
+      </p:ext>
+    </p:extLst>
+  </p:cSld>
+  <p:clrMapOvr>
+    <a:masterClrMapping/>
+  </p:clrMapOvr>
+</p:sld>
+</file>
+
+<file path=ppt/slides/slide5.xml><?xml version="1.0" encoding="utf-8"?>
+<p:sld xmlns:a="http://schemas.openxmlformats.org/drawingml/2006/main" xmlns:r="http://schemas.openxmlformats.org/officeDocument/2006/relationships" xmlns:p="http://schemas.openxmlformats.org/presentationml/2006/main">
+  <p:cSld>
+    <p:spTree>
+      <p:nvGrpSpPr>
+        <p:cNvPr id="1" name=""/>
+        <p:cNvGrpSpPr/>
+        <p:nvPr/>
+      </p:nvGrpSpPr>
+      <p:grpSpPr>
+        <a:xfrm>
+          <a:off x="0" y="0"/>
+          <a:ext cx="0" cy="0"/>
+          <a:chOff x="0" y="0"/>
+          <a:chExt cx="0" cy="0"/>
+        </a:xfrm>
+      </p:grpSpPr>
+      <p:sp>
+        <p:nvSpPr>
+          <p:cNvPr id="2" name="Title 1">
+            <a:extLst>
+              <a:ext uri="{FF2B5EF4-FFF2-40B4-BE49-F238E27FC236}">
+                <a16:creationId xmlns:a16="http://schemas.microsoft.com/office/drawing/2014/main" id="{4121C57B-75A0-9E43-A8A6-A8025154DFE8}"/>
+              </a:ext>
+            </a:extLst>
+          </p:cNvPr>
+          <p:cNvSpPr>
+            <a:spLocks noGrp="1"/>
+          </p:cNvSpPr>
+          <p:nvPr>
+            <p:ph type="title"/>
+          </p:nvPr>
+        </p:nvSpPr>
         <p:spPr/>
         <p:txBody>
           <a:bodyPr/>
@@ -12635,7 +12871,7 @@
           <a:p>
             <a:r>
               <a:rPr lang="en-US" dirty="0"/>
-              <a:t>Property crime rates</a:t>
+              <a:t>Unemployment rate</a:t>
             </a:r>
           </a:p>
         </p:txBody>
@@ -12645,7 +12881,7 @@
           <p:cNvPr id="3" name="Content Placeholder 2">
             <a:extLst>
               <a:ext uri="{FF2B5EF4-FFF2-40B4-BE49-F238E27FC236}">
-                <a16:creationId xmlns:a16="http://schemas.microsoft.com/office/drawing/2014/main" id="{361A8FD3-D417-484A-B19D-DBE834D57F93}"/>
+                <a16:creationId xmlns:a16="http://schemas.microsoft.com/office/drawing/2014/main" id="{2768874B-EAA5-D34C-B73D-39561B44C6D9}"/>
               </a:ext>
             </a:extLst>
           </p:cNvPr>
@@ -12661,14 +12897,17 @@
           <a:bodyPr/>
           <a:lstStyle/>
           <a:p>
-            <a:endParaRPr lang="en-US"/>
+            <a:r>
+              <a:rPr lang="en-US" dirty="0"/>
+              <a:t>To come!</a:t>
+            </a:r>
           </a:p>
         </p:txBody>
       </p:sp>
     </p:spTree>
     <p:extLst>
       <p:ext uri="{BB962C8B-B14F-4D97-AF65-F5344CB8AC3E}">
-        <p14:creationId xmlns:p14="http://schemas.microsoft.com/office/powerpoint/2010/main" val="143660024"/>
+        <p14:creationId xmlns:p14="http://schemas.microsoft.com/office/powerpoint/2010/main" val="898782745"/>
       </p:ext>
     </p:extLst>
   </p:cSld>
@@ -12678,7 +12917,7 @@
 </p:sld>
 </file>
 
-<file path=ppt/slides/slide5.xml><?xml version="1.0" encoding="utf-8"?>
+<file path=ppt/slides/slide6.xml><?xml version="1.0" encoding="utf-8"?>
 <p:sld xmlns:a="http://schemas.openxmlformats.org/drawingml/2006/main" xmlns:r="http://schemas.openxmlformats.org/officeDocument/2006/relationships" xmlns:p="http://schemas.openxmlformats.org/presentationml/2006/main">
   <p:cSld>
     <p:spTree>
@@ -12718,36 +12957,40 @@
           <a:p>
             <a:r>
               <a:rPr lang="en-US" dirty="0"/>
-              <a:t>comparisons</a:t>
+              <a:t>Comparisons</a:t>
             </a:r>
           </a:p>
         </p:txBody>
       </p:sp>
-      <p:sp>
-        <p:nvSpPr>
-          <p:cNvPr id="3" name="Content Placeholder 2">
+      <p:pic>
+        <p:nvPicPr>
+          <p:cNvPr id="6" name="Content Placeholder 5" descr="Chart, bar chart&#10;&#10;Description automatically generated">
             <a:extLst>
               <a:ext uri="{FF2B5EF4-FFF2-40B4-BE49-F238E27FC236}">
-                <a16:creationId xmlns:a16="http://schemas.microsoft.com/office/drawing/2014/main" id="{58D9B4E6-0CB9-C24E-B4E4-BC0928792A5A}"/>
+                <a16:creationId xmlns:a16="http://schemas.microsoft.com/office/drawing/2014/main" id="{FAA888CD-C1F7-AC46-BFE4-76FC0124A02E}"/>
               </a:ext>
             </a:extLst>
           </p:cNvPr>
-          <p:cNvSpPr>
-            <a:spLocks noGrp="1"/>
-          </p:cNvSpPr>
+          <p:cNvPicPr>
+            <a:picLocks noGrp="1" noChangeAspect="1"/>
+          </p:cNvPicPr>
           <p:nvPr>
             <p:ph idx="1"/>
           </p:nvPr>
-        </p:nvSpPr>
-        <p:spPr/>
-        <p:txBody>
-          <a:bodyPr/>
-          <a:lstStyle/>
-          <a:p>
-            <a:endParaRPr lang="en-US"/>
-          </a:p>
-        </p:txBody>
-      </p:sp>
+        </p:nvPicPr>
+        <p:blipFill>
+          <a:blip r:embed="rId2"/>
+          <a:stretch>
+            <a:fillRect/>
+          </a:stretch>
+        </p:blipFill>
+        <p:spPr>
+          <a:xfrm>
+            <a:off x="3643312" y="1430375"/>
+            <a:ext cx="6086475" cy="4336219"/>
+          </a:xfrm>
+        </p:spPr>
+      </p:pic>
     </p:spTree>
     <p:extLst>
       <p:ext uri="{BB962C8B-B14F-4D97-AF65-F5344CB8AC3E}">
@@ -12761,7 +13004,7 @@
 </p:sld>
 </file>
 
-<file path=ppt/slides/slide6.xml><?xml version="1.0" encoding="utf-8"?>
+<file path=ppt/slides/slide7.xml><?xml version="1.0" encoding="utf-8"?>
 <p:sld xmlns:a="http://schemas.openxmlformats.org/drawingml/2006/main" xmlns:r="http://schemas.openxmlformats.org/officeDocument/2006/relationships" xmlns:p="http://schemas.openxmlformats.org/presentationml/2006/main">
   <p:cSld>
     <p:spTree>
@@ -12794,14 +13037,19 @@
             <p:ph type="title"/>
           </p:nvPr>
         </p:nvSpPr>
-        <p:spPr/>
+        <p:spPr>
+          <a:xfrm>
+            <a:off x="1141413" y="618518"/>
+            <a:ext cx="9905998" cy="813675"/>
+          </a:xfrm>
+        </p:spPr>
         <p:txBody>
           <a:bodyPr/>
           <a:lstStyle/>
           <a:p>
             <a:r>
               <a:rPr lang="en-US" dirty="0"/>
-              <a:t>Conclusions, trends, lessons learned</a:t>
+              <a:t>Conclusions &amp; lessons learned</a:t>
             </a:r>
           </a:p>
         </p:txBody>
@@ -12822,12 +13070,42 @@
             <p:ph idx="1"/>
           </p:nvPr>
         </p:nvSpPr>
-        <p:spPr/>
+        <p:spPr>
+          <a:xfrm>
+            <a:off x="1141412" y="1333042"/>
+            <a:ext cx="9905999" cy="5133860"/>
+          </a:xfrm>
+        </p:spPr>
         <p:txBody>
-          <a:bodyPr/>
+          <a:bodyPr>
+            <a:normAutofit/>
+          </a:bodyPr>
           <a:lstStyle/>
           <a:p>
-            <a:endParaRPr lang="en-US" dirty="0"/>
+            <a:r>
+              <a:rPr lang="en-US" dirty="0"/>
+              <a:t>1) Be careful of data that isn't labeled clearly; for example, "value" in the unemployment data was extremely vague and required extra research.</a:t>
+            </a:r>
+          </a:p>
+          <a:p>
+            <a:r>
+              <a:rPr lang="en-US" dirty="0"/>
+              <a:t>2) It follows from the first point, but information literacy is important. It's not enough to be able to manipulate the data; we have to be able to figure out what data has been included and whether the labels are accurate (in the course of the project, some data were represented as is more usual in the statistics and economics fields as a way of abbreviating large numbers "normalized x100,000").</a:t>
+            </a:r>
+          </a:p>
+          <a:p>
+            <a:r>
+              <a:rPr lang="en-US" dirty="0"/>
+              <a:t>3) Sometimes data will be stored using unfamiliar python modules, like "</a:t>
+            </a:r>
+            <a:r>
+              <a:rPr lang="en-US" dirty="0" err="1"/>
+              <a:t>prettytable</a:t>
+            </a:r>
+            <a:r>
+              <a:rPr lang="en-US" dirty="0"/>
+              <a:t>," which needs to be downloaded in addition to the usual suspects.</a:t>
+            </a:r>
           </a:p>
         </p:txBody>
       </p:sp>

--- a/API project presentation.pptx
+++ b/API project presentation.pptx
@@ -168,7 +168,7 @@
           <a:noFill/>
           <a:extLst>
             <a:ext uri="{909E8E84-426E-40dd-AFC4-6F175D3DCCD1}">
-              <a14:hiddenFill xmlns="" xmlns:a14="http://schemas.microsoft.com/office/drawing/2010/main">
+              <a14:hiddenFill xmlns:a14="http://schemas.microsoft.com/office/drawing/2010/main" xmlns="">
                 <a:solidFill>
                   <a:srgbClr val="FFFFFF"/>
                 </a:solidFill>
@@ -228,7 +228,7 @@
             </a:ln>
             <a:extLst>
               <a:ext uri="{91240B29-F687-4f45-9708-019B960494DF}">
-                <a14:hiddenLine xmlns="" xmlns:a14="http://schemas.microsoft.com/office/drawing/2010/main" w="9525">
+                <a14:hiddenLine xmlns:a14="http://schemas.microsoft.com/office/drawing/2010/main" xmlns="" w="9525">
                   <a:solidFill>
                     <a:srgbClr val="000000"/>
                   </a:solidFill>
@@ -318,7 +318,7 @@
             </a:ln>
             <a:extLst>
               <a:ext uri="{91240B29-F687-4f45-9708-019B960494DF}">
-                <a14:hiddenLine xmlns="" xmlns:a14="http://schemas.microsoft.com/office/drawing/2010/main" w="9525">
+                <a14:hiddenLine xmlns:a14="http://schemas.microsoft.com/office/drawing/2010/main" xmlns="" w="9525">
                   <a:solidFill>
                     <a:srgbClr val="000000"/>
                   </a:solidFill>
@@ -408,7 +408,7 @@
             </a:ln>
             <a:extLst>
               <a:ext uri="{91240B29-F687-4f45-9708-019B960494DF}">
-                <a14:hiddenLine xmlns="" xmlns:a14="http://schemas.microsoft.com/office/drawing/2010/main" w="9525">
+                <a14:hiddenLine xmlns:a14="http://schemas.microsoft.com/office/drawing/2010/main" xmlns="" w="9525">
                   <a:solidFill>
                     <a:srgbClr val="000000"/>
                   </a:solidFill>
@@ -442,7 +442,7 @@
             </a:ln>
             <a:extLst>
               <a:ext uri="{91240B29-F687-4f45-9708-019B960494DF}">
-                <a14:hiddenLine xmlns="" xmlns:a14="http://schemas.microsoft.com/office/drawing/2010/main" w="9525">
+                <a14:hiddenLine xmlns:a14="http://schemas.microsoft.com/office/drawing/2010/main" xmlns="" w="9525">
                   <a:solidFill>
                     <a:srgbClr val="000000"/>
                   </a:solidFill>
@@ -532,7 +532,7 @@
             </a:ln>
             <a:extLst>
               <a:ext uri="{91240B29-F687-4f45-9708-019B960494DF}">
-                <a14:hiddenLine xmlns="" xmlns:a14="http://schemas.microsoft.com/office/drawing/2010/main" w="9525">
+                <a14:hiddenLine xmlns:a14="http://schemas.microsoft.com/office/drawing/2010/main" xmlns="" w="9525">
                   <a:solidFill>
                     <a:srgbClr val="000000"/>
                   </a:solidFill>
@@ -594,7 +594,7 @@
             </a:ln>
             <a:extLst>
               <a:ext uri="{91240B29-F687-4f45-9708-019B960494DF}">
-                <a14:hiddenLine xmlns="" xmlns:a14="http://schemas.microsoft.com/office/drawing/2010/main" w="9525">
+                <a14:hiddenLine xmlns:a14="http://schemas.microsoft.com/office/drawing/2010/main" xmlns="" w="9525">
                   <a:solidFill>
                     <a:srgbClr val="000000"/>
                   </a:solidFill>
@@ -656,7 +656,7 @@
             </a:ln>
             <a:extLst>
               <a:ext uri="{91240B29-F687-4f45-9708-019B960494DF}">
-                <a14:hiddenLine xmlns="" xmlns:a14="http://schemas.microsoft.com/office/drawing/2010/main" w="9525">
+                <a14:hiddenLine xmlns:a14="http://schemas.microsoft.com/office/drawing/2010/main" xmlns="" w="9525">
                   <a:solidFill>
                     <a:srgbClr val="000000"/>
                   </a:solidFill>
@@ -746,7 +746,7 @@
             </a:ln>
             <a:extLst>
               <a:ext uri="{91240B29-F687-4f45-9708-019B960494DF}">
-                <a14:hiddenLine xmlns="" xmlns:a14="http://schemas.microsoft.com/office/drawing/2010/main" w="9525">
+                <a14:hiddenLine xmlns:a14="http://schemas.microsoft.com/office/drawing/2010/main" xmlns="" w="9525">
                   <a:solidFill>
                     <a:srgbClr val="000000"/>
                   </a:solidFill>
@@ -808,7 +808,7 @@
             </a:ln>
             <a:extLst>
               <a:ext uri="{91240B29-F687-4f45-9708-019B960494DF}">
-                <a14:hiddenLine xmlns="" xmlns:a14="http://schemas.microsoft.com/office/drawing/2010/main" w="9525">
+                <a14:hiddenLine xmlns:a14="http://schemas.microsoft.com/office/drawing/2010/main" xmlns="" w="9525">
                   <a:solidFill>
                     <a:srgbClr val="000000"/>
                   </a:solidFill>
@@ -870,7 +870,7 @@
             </a:ln>
             <a:extLst>
               <a:ext uri="{91240B29-F687-4f45-9708-019B960494DF}">
-                <a14:hiddenLine xmlns="" xmlns:a14="http://schemas.microsoft.com/office/drawing/2010/main" w="9525">
+                <a14:hiddenLine xmlns:a14="http://schemas.microsoft.com/office/drawing/2010/main" xmlns="" w="9525">
                   <a:solidFill>
                     <a:srgbClr val="000000"/>
                   </a:solidFill>
@@ -960,7 +960,7 @@
             </a:ln>
             <a:extLst>
               <a:ext uri="{91240B29-F687-4f45-9708-019B960494DF}">
-                <a14:hiddenLine xmlns="" xmlns:a14="http://schemas.microsoft.com/office/drawing/2010/main" w="9525">
+                <a14:hiddenLine xmlns:a14="http://schemas.microsoft.com/office/drawing/2010/main" xmlns="" w="9525">
                   <a:solidFill>
                     <a:srgbClr val="000000"/>
                   </a:solidFill>
@@ -1050,7 +1050,7 @@
             </a:ln>
             <a:extLst>
               <a:ext uri="{91240B29-F687-4f45-9708-019B960494DF}">
-                <a14:hiddenLine xmlns="" xmlns:a14="http://schemas.microsoft.com/office/drawing/2010/main" w="9525">
+                <a14:hiddenLine xmlns:a14="http://schemas.microsoft.com/office/drawing/2010/main" xmlns="" w="9525">
                   <a:solidFill>
                     <a:srgbClr val="000000"/>
                   </a:solidFill>
@@ -1112,7 +1112,7 @@
             </a:ln>
             <a:extLst>
               <a:ext uri="{91240B29-F687-4f45-9708-019B960494DF}">
-                <a14:hiddenLine xmlns="" xmlns:a14="http://schemas.microsoft.com/office/drawing/2010/main" w="9525">
+                <a14:hiddenLine xmlns:a14="http://schemas.microsoft.com/office/drawing/2010/main" xmlns="" w="9525">
                   <a:solidFill>
                     <a:srgbClr val="000000"/>
                   </a:solidFill>
@@ -1222,7 +1222,7 @@
             </a:ln>
             <a:extLst>
               <a:ext uri="{91240B29-F687-4f45-9708-019B960494DF}">
-                <a14:hiddenLine xmlns="" xmlns:a14="http://schemas.microsoft.com/office/drawing/2010/main" w="9525">
+                <a14:hiddenLine xmlns:a14="http://schemas.microsoft.com/office/drawing/2010/main" xmlns="" w="9525">
                   <a:solidFill>
                     <a:srgbClr val="000000"/>
                   </a:solidFill>
@@ -1284,7 +1284,7 @@
             </a:ln>
             <a:extLst>
               <a:ext uri="{91240B29-F687-4f45-9708-019B960494DF}">
-                <a14:hiddenLine xmlns="" xmlns:a14="http://schemas.microsoft.com/office/drawing/2010/main" w="9525">
+                <a14:hiddenLine xmlns:a14="http://schemas.microsoft.com/office/drawing/2010/main" xmlns="" w="9525">
                   <a:solidFill>
                     <a:srgbClr val="000000"/>
                   </a:solidFill>
@@ -1374,7 +1374,7 @@
             </a:ln>
             <a:extLst>
               <a:ext uri="{91240B29-F687-4f45-9708-019B960494DF}">
-                <a14:hiddenLine xmlns="" xmlns:a14="http://schemas.microsoft.com/office/drawing/2010/main" w="9525">
+                <a14:hiddenLine xmlns:a14="http://schemas.microsoft.com/office/drawing/2010/main" xmlns="" w="9525">
                   <a:solidFill>
                     <a:srgbClr val="000000"/>
                   </a:solidFill>
@@ -1464,7 +1464,7 @@
             </a:ln>
             <a:extLst>
               <a:ext uri="{91240B29-F687-4f45-9708-019B960494DF}">
-                <a14:hiddenLine xmlns="" xmlns:a14="http://schemas.microsoft.com/office/drawing/2010/main" w="9525">
+                <a14:hiddenLine xmlns:a14="http://schemas.microsoft.com/office/drawing/2010/main" xmlns="" w="9525">
                   <a:solidFill>
                     <a:srgbClr val="000000"/>
                   </a:solidFill>
@@ -1526,7 +1526,7 @@
             </a:ln>
             <a:extLst>
               <a:ext uri="{91240B29-F687-4f45-9708-019B960494DF}">
-                <a14:hiddenLine xmlns="" xmlns:a14="http://schemas.microsoft.com/office/drawing/2010/main" w="9525">
+                <a14:hiddenLine xmlns:a14="http://schemas.microsoft.com/office/drawing/2010/main" xmlns="" w="9525">
                   <a:solidFill>
                     <a:srgbClr val="000000"/>
                   </a:solidFill>
@@ -1616,7 +1616,7 @@
             </a:ln>
             <a:extLst>
               <a:ext uri="{91240B29-F687-4f45-9708-019B960494DF}">
-                <a14:hiddenLine xmlns="" xmlns:a14="http://schemas.microsoft.com/office/drawing/2010/main" w="9525">
+                <a14:hiddenLine xmlns:a14="http://schemas.microsoft.com/office/drawing/2010/main" xmlns="" w="9525">
                   <a:solidFill>
                     <a:srgbClr val="000000"/>
                   </a:solidFill>
@@ -1706,7 +1706,7 @@
             </a:ln>
             <a:extLst>
               <a:ext uri="{91240B29-F687-4f45-9708-019B960494DF}">
-                <a14:hiddenLine xmlns="" xmlns:a14="http://schemas.microsoft.com/office/drawing/2010/main" w="9525">
+                <a14:hiddenLine xmlns:a14="http://schemas.microsoft.com/office/drawing/2010/main" xmlns="" w="9525">
                   <a:solidFill>
                     <a:srgbClr val="000000"/>
                   </a:solidFill>
@@ -1762,7 +1762,7 @@
             </a:ln>
             <a:extLst>
               <a:ext uri="{91240B29-F687-4f45-9708-019B960494DF}">
-                <a14:hiddenLine xmlns="" xmlns:a14="http://schemas.microsoft.com/office/drawing/2010/main" w="9525">
+                <a14:hiddenLine xmlns:a14="http://schemas.microsoft.com/office/drawing/2010/main" xmlns="" w="9525">
                   <a:solidFill>
                     <a:srgbClr val="000000"/>
                   </a:solidFill>
@@ -1852,7 +1852,7 @@
             </a:ln>
             <a:extLst>
               <a:ext uri="{91240B29-F687-4f45-9708-019B960494DF}">
-                <a14:hiddenLine xmlns="" xmlns:a14="http://schemas.microsoft.com/office/drawing/2010/main" w="9525">
+                <a14:hiddenLine xmlns:a14="http://schemas.microsoft.com/office/drawing/2010/main" xmlns="" w="9525">
                   <a:solidFill>
                     <a:srgbClr val="000000"/>
                   </a:solidFill>
@@ -1908,7 +1908,7 @@
             </a:ln>
             <a:extLst>
               <a:ext uri="{91240B29-F687-4f45-9708-019B960494DF}">
-                <a14:hiddenLine xmlns="" xmlns:a14="http://schemas.microsoft.com/office/drawing/2010/main" w="9525">
+                <a14:hiddenLine xmlns:a14="http://schemas.microsoft.com/office/drawing/2010/main" xmlns="" w="9525">
                   <a:solidFill>
                     <a:srgbClr val="000000"/>
                   </a:solidFill>
@@ -1998,7 +1998,7 @@
             </a:ln>
             <a:extLst>
               <a:ext uri="{91240B29-F687-4f45-9708-019B960494DF}">
-                <a14:hiddenLine xmlns="" xmlns:a14="http://schemas.microsoft.com/office/drawing/2010/main" w="9525">
+                <a14:hiddenLine xmlns:a14="http://schemas.microsoft.com/office/drawing/2010/main" xmlns="" w="9525">
                   <a:solidFill>
                     <a:srgbClr val="000000"/>
                   </a:solidFill>
@@ -2066,7 +2066,7 @@
             </a:ln>
             <a:extLst>
               <a:ext uri="{91240B29-F687-4f45-9708-019B960494DF}">
-                <a14:hiddenLine xmlns="" xmlns:a14="http://schemas.microsoft.com/office/drawing/2010/main" w="9525">
+                <a14:hiddenLine xmlns:a14="http://schemas.microsoft.com/office/drawing/2010/main" xmlns="" w="9525">
                   <a:solidFill>
                     <a:srgbClr val="000000"/>
                   </a:solidFill>
@@ -2156,7 +2156,7 @@
             </a:ln>
             <a:extLst>
               <a:ext uri="{91240B29-F687-4f45-9708-019B960494DF}">
-                <a14:hiddenLine xmlns="" xmlns:a14="http://schemas.microsoft.com/office/drawing/2010/main" w="9525">
+                <a14:hiddenLine xmlns:a14="http://schemas.microsoft.com/office/drawing/2010/main" xmlns="" w="9525">
                   <a:solidFill>
                     <a:srgbClr val="000000"/>
                   </a:solidFill>
@@ -2224,7 +2224,7 @@
             </a:ln>
             <a:extLst>
               <a:ext uri="{91240B29-F687-4f45-9708-019B960494DF}">
-                <a14:hiddenLine xmlns="" xmlns:a14="http://schemas.microsoft.com/office/drawing/2010/main" w="9525">
+                <a14:hiddenLine xmlns:a14="http://schemas.microsoft.com/office/drawing/2010/main" xmlns="" w="9525">
                   <a:solidFill>
                     <a:srgbClr val="000000"/>
                   </a:solidFill>
@@ -2314,7 +2314,7 @@
             </a:ln>
             <a:extLst>
               <a:ext uri="{91240B29-F687-4f45-9708-019B960494DF}">
-                <a14:hiddenLine xmlns="" xmlns:a14="http://schemas.microsoft.com/office/drawing/2010/main" w="9525">
+                <a14:hiddenLine xmlns:a14="http://schemas.microsoft.com/office/drawing/2010/main" xmlns="" w="9525">
                   <a:solidFill>
                     <a:srgbClr val="000000"/>
                   </a:solidFill>
@@ -2348,7 +2348,7 @@
             </a:ln>
             <a:extLst>
               <a:ext uri="{91240B29-F687-4f45-9708-019B960494DF}">
-                <a14:hiddenLine xmlns="" xmlns:a14="http://schemas.microsoft.com/office/drawing/2010/main" w="9525">
+                <a14:hiddenLine xmlns:a14="http://schemas.microsoft.com/office/drawing/2010/main" xmlns="" w="9525">
                   <a:solidFill>
                     <a:srgbClr val="000000"/>
                   </a:solidFill>
@@ -2438,7 +2438,7 @@
             </a:ln>
             <a:extLst>
               <a:ext uri="{91240B29-F687-4f45-9708-019B960494DF}">
-                <a14:hiddenLine xmlns="" xmlns:a14="http://schemas.microsoft.com/office/drawing/2010/main" w="9525">
+                <a14:hiddenLine xmlns:a14="http://schemas.microsoft.com/office/drawing/2010/main" xmlns="" w="9525">
                   <a:solidFill>
                     <a:srgbClr val="000000"/>
                   </a:solidFill>
@@ -2500,7 +2500,7 @@
             </a:ln>
             <a:extLst>
               <a:ext uri="{91240B29-F687-4f45-9708-019B960494DF}">
-                <a14:hiddenLine xmlns="" xmlns:a14="http://schemas.microsoft.com/office/drawing/2010/main" w="9525">
+                <a14:hiddenLine xmlns:a14="http://schemas.microsoft.com/office/drawing/2010/main" xmlns="" w="9525">
                   <a:solidFill>
                     <a:srgbClr val="000000"/>
                   </a:solidFill>
@@ -2562,7 +2562,7 @@
             </a:ln>
             <a:extLst>
               <a:ext uri="{91240B29-F687-4f45-9708-019B960494DF}">
-                <a14:hiddenLine xmlns="" xmlns:a14="http://schemas.microsoft.com/office/drawing/2010/main" w="9525">
+                <a14:hiddenLine xmlns:a14="http://schemas.microsoft.com/office/drawing/2010/main" xmlns="" w="9525">
                   <a:solidFill>
                     <a:srgbClr val="000000"/>
                   </a:solidFill>
@@ -2652,7 +2652,7 @@
             </a:ln>
             <a:extLst>
               <a:ext uri="{91240B29-F687-4f45-9708-019B960494DF}">
-                <a14:hiddenLine xmlns="" xmlns:a14="http://schemas.microsoft.com/office/drawing/2010/main" w="9525">
+                <a14:hiddenLine xmlns:a14="http://schemas.microsoft.com/office/drawing/2010/main" xmlns="" w="9525">
                   <a:solidFill>
                     <a:srgbClr val="000000"/>
                   </a:solidFill>
@@ -2720,7 +2720,7 @@
             </a:ln>
             <a:extLst>
               <a:ext uri="{91240B29-F687-4f45-9708-019B960494DF}">
-                <a14:hiddenLine xmlns="" xmlns:a14="http://schemas.microsoft.com/office/drawing/2010/main" w="9525">
+                <a14:hiddenLine xmlns:a14="http://schemas.microsoft.com/office/drawing/2010/main" xmlns="" w="9525">
                   <a:solidFill>
                     <a:srgbClr val="000000"/>
                   </a:solidFill>
@@ -2782,7 +2782,7 @@
             </a:ln>
             <a:extLst>
               <a:ext uri="{91240B29-F687-4f45-9708-019B960494DF}">
-                <a14:hiddenLine xmlns="" xmlns:a14="http://schemas.microsoft.com/office/drawing/2010/main" w="9525">
+                <a14:hiddenLine xmlns:a14="http://schemas.microsoft.com/office/drawing/2010/main" xmlns="" w="9525">
                   <a:solidFill>
                     <a:srgbClr val="000000"/>
                   </a:solidFill>
@@ -2872,7 +2872,7 @@
             </a:ln>
             <a:extLst>
               <a:ext uri="{91240B29-F687-4f45-9708-019B960494DF}">
-                <a14:hiddenLine xmlns="" xmlns:a14="http://schemas.microsoft.com/office/drawing/2010/main" w="9525">
+                <a14:hiddenLine xmlns:a14="http://schemas.microsoft.com/office/drawing/2010/main" xmlns="" w="9525">
                   <a:solidFill>
                     <a:srgbClr val="000000"/>
                   </a:solidFill>
@@ -2934,7 +2934,7 @@
             </a:ln>
             <a:extLst>
               <a:ext uri="{91240B29-F687-4f45-9708-019B960494DF}">
-                <a14:hiddenLine xmlns="" xmlns:a14="http://schemas.microsoft.com/office/drawing/2010/main" w="9525">
+                <a14:hiddenLine xmlns:a14="http://schemas.microsoft.com/office/drawing/2010/main" xmlns="" w="9525">
                   <a:solidFill>
                     <a:srgbClr val="000000"/>
                   </a:solidFill>
@@ -3024,7 +3024,7 @@
             </a:ln>
             <a:extLst>
               <a:ext uri="{91240B29-F687-4f45-9708-019B960494DF}">
-                <a14:hiddenLine xmlns="" xmlns:a14="http://schemas.microsoft.com/office/drawing/2010/main" w="9525">
+                <a14:hiddenLine xmlns:a14="http://schemas.microsoft.com/office/drawing/2010/main" xmlns="" w="9525">
                   <a:solidFill>
                     <a:srgbClr val="000000"/>
                   </a:solidFill>
@@ -3086,7 +3086,7 @@
             </a:ln>
             <a:extLst>
               <a:ext uri="{91240B29-F687-4f45-9708-019B960494DF}">
-                <a14:hiddenLine xmlns="" xmlns:a14="http://schemas.microsoft.com/office/drawing/2010/main" w="9525">
+                <a14:hiddenLine xmlns:a14="http://schemas.microsoft.com/office/drawing/2010/main" xmlns="" w="9525">
                   <a:solidFill>
                     <a:srgbClr val="000000"/>
                   </a:solidFill>
@@ -3176,7 +3176,7 @@
             </a:ln>
             <a:extLst>
               <a:ext uri="{91240B29-F687-4f45-9708-019B960494DF}">
-                <a14:hiddenLine xmlns="" xmlns:a14="http://schemas.microsoft.com/office/drawing/2010/main" w="9525">
+                <a14:hiddenLine xmlns:a14="http://schemas.microsoft.com/office/drawing/2010/main" xmlns="" w="9525">
                   <a:solidFill>
                     <a:srgbClr val="000000"/>
                   </a:solidFill>
@@ -3210,7 +3210,7 @@
             </a:ln>
             <a:extLst>
               <a:ext uri="{91240B29-F687-4f45-9708-019B960494DF}">
-                <a14:hiddenLine xmlns="" xmlns:a14="http://schemas.microsoft.com/office/drawing/2010/main" w="9525">
+                <a14:hiddenLine xmlns:a14="http://schemas.microsoft.com/office/drawing/2010/main" xmlns="" w="9525">
                   <a:solidFill>
                     <a:srgbClr val="000000"/>
                   </a:solidFill>
@@ -3275,7 +3275,7 @@
             </a:ln>
             <a:extLst>
               <a:ext uri="{91240B29-F687-4f45-9708-019B960494DF}">
-                <a14:hiddenLine xmlns="" xmlns:a14="http://schemas.microsoft.com/office/drawing/2010/main" w="9525">
+                <a14:hiddenLine xmlns:a14="http://schemas.microsoft.com/office/drawing/2010/main" xmlns="" w="9525">
                   <a:solidFill>
                     <a:srgbClr val="000000"/>
                   </a:solidFill>
@@ -3365,7 +3365,7 @@
             </a:ln>
             <a:extLst>
               <a:ext uri="{91240B29-F687-4f45-9708-019B960494DF}">
-                <a14:hiddenLine xmlns="" xmlns:a14="http://schemas.microsoft.com/office/drawing/2010/main" w="9525">
+                <a14:hiddenLine xmlns:a14="http://schemas.microsoft.com/office/drawing/2010/main" xmlns="" w="9525">
                   <a:solidFill>
                     <a:srgbClr val="000000"/>
                   </a:solidFill>
@@ -3427,7 +3427,7 @@
             </a:ln>
             <a:extLst>
               <a:ext uri="{91240B29-F687-4f45-9708-019B960494DF}">
-                <a14:hiddenLine xmlns="" xmlns:a14="http://schemas.microsoft.com/office/drawing/2010/main" w="9525">
+                <a14:hiddenLine xmlns:a14="http://schemas.microsoft.com/office/drawing/2010/main" xmlns="" w="9525">
                   <a:solidFill>
                     <a:srgbClr val="000000"/>
                   </a:solidFill>
@@ -3517,7 +3517,7 @@
             </a:ln>
             <a:extLst>
               <a:ext uri="{91240B29-F687-4f45-9708-019B960494DF}">
-                <a14:hiddenLine xmlns="" xmlns:a14="http://schemas.microsoft.com/office/drawing/2010/main" w="9525">
+                <a14:hiddenLine xmlns:a14="http://schemas.microsoft.com/office/drawing/2010/main" xmlns="" w="9525">
                   <a:solidFill>
                     <a:srgbClr val="000000"/>
                   </a:solidFill>
@@ -3607,7 +3607,7 @@
             </a:ln>
             <a:extLst>
               <a:ext uri="{91240B29-F687-4f45-9708-019B960494DF}">
-                <a14:hiddenLine xmlns="" xmlns:a14="http://schemas.microsoft.com/office/drawing/2010/main" w="9525">
+                <a14:hiddenLine xmlns:a14="http://schemas.microsoft.com/office/drawing/2010/main" xmlns="" w="9525">
                   <a:solidFill>
                     <a:srgbClr val="000000"/>
                   </a:solidFill>
@@ -3672,7 +3672,7 @@
             </a:ln>
             <a:extLst>
               <a:ext uri="{91240B29-F687-4f45-9708-019B960494DF}">
-                <a14:hiddenLine xmlns="" xmlns:a14="http://schemas.microsoft.com/office/drawing/2010/main" w="9525">
+                <a14:hiddenLine xmlns:a14="http://schemas.microsoft.com/office/drawing/2010/main" xmlns="" w="9525">
                   <a:solidFill>
                     <a:srgbClr val="000000"/>
                   </a:solidFill>
@@ -3734,7 +3734,7 @@
             </a:ln>
             <a:extLst>
               <a:ext uri="{91240B29-F687-4f45-9708-019B960494DF}">
-                <a14:hiddenLine xmlns="" xmlns:a14="http://schemas.microsoft.com/office/drawing/2010/main" w="9525">
+                <a14:hiddenLine xmlns:a14="http://schemas.microsoft.com/office/drawing/2010/main" xmlns="" w="9525">
                   <a:solidFill>
                     <a:srgbClr val="000000"/>
                   </a:solidFill>
@@ -3824,7 +3824,7 @@
             </a:ln>
             <a:extLst>
               <a:ext uri="{91240B29-F687-4f45-9708-019B960494DF}">
-                <a14:hiddenLine xmlns="" xmlns:a14="http://schemas.microsoft.com/office/drawing/2010/main" w="9525">
+                <a14:hiddenLine xmlns:a14="http://schemas.microsoft.com/office/drawing/2010/main" xmlns="" w="9525">
                   <a:solidFill>
                     <a:srgbClr val="000000"/>
                   </a:solidFill>
@@ -3914,7 +3914,7 @@
             </a:ln>
             <a:extLst>
               <a:ext uri="{91240B29-F687-4f45-9708-019B960494DF}">
-                <a14:hiddenLine xmlns="" xmlns:a14="http://schemas.microsoft.com/office/drawing/2010/main" w="9525">
+                <a14:hiddenLine xmlns:a14="http://schemas.microsoft.com/office/drawing/2010/main" xmlns="" w="9525">
                   <a:solidFill>
                     <a:srgbClr val="000000"/>
                   </a:solidFill>
@@ -3976,7 +3976,7 @@
             </a:ln>
             <a:extLst>
               <a:ext uri="{91240B29-F687-4f45-9708-019B960494DF}">
-                <a14:hiddenLine xmlns="" xmlns:a14="http://schemas.microsoft.com/office/drawing/2010/main" w="9525">
+                <a14:hiddenLine xmlns:a14="http://schemas.microsoft.com/office/drawing/2010/main" xmlns="" w="9525">
                   <a:solidFill>
                     <a:srgbClr val="000000"/>
                   </a:solidFill>
@@ -4096,7 +4096,7 @@
             </a:ln>
             <a:extLst>
               <a:ext uri="{91240B29-F687-4f45-9708-019B960494DF}">
-                <a14:hiddenLine xmlns="" xmlns:a14="http://schemas.microsoft.com/office/drawing/2010/main" w="9525">
+                <a14:hiddenLine xmlns:a14="http://schemas.microsoft.com/office/drawing/2010/main" xmlns="" w="9525">
                   <a:solidFill>
                     <a:srgbClr val="000000"/>
                   </a:solidFill>
@@ -4164,7 +4164,7 @@
             </a:ln>
             <a:extLst>
               <a:ext uri="{91240B29-F687-4f45-9708-019B960494DF}">
-                <a14:hiddenLine xmlns="" xmlns:a14="http://schemas.microsoft.com/office/drawing/2010/main" w="9525">
+                <a14:hiddenLine xmlns:a14="http://schemas.microsoft.com/office/drawing/2010/main" xmlns="" w="9525">
                   <a:solidFill>
                     <a:srgbClr val="000000"/>
                   </a:solidFill>
@@ -4254,7 +4254,7 @@
             </a:ln>
             <a:extLst>
               <a:ext uri="{91240B29-F687-4f45-9708-019B960494DF}">
-                <a14:hiddenLine xmlns="" xmlns:a14="http://schemas.microsoft.com/office/drawing/2010/main" w="9525">
+                <a14:hiddenLine xmlns:a14="http://schemas.microsoft.com/office/drawing/2010/main" xmlns="" w="9525">
                   <a:solidFill>
                     <a:srgbClr val="000000"/>
                   </a:solidFill>
@@ -4394,7 +4394,7 @@
           <a:p>
             <a:fld id="{48A87A34-81AB-432B-8DAE-1953F412C126}" type="datetimeFigureOut">
               <a:rPr lang="en-US" dirty="0"/>
-              <a:t>11/10/21</a:t>
+              <a:t>11/10/2021</a:t>
             </a:fld>
             <a:endParaRPr lang="en-US" dirty="0"/>
           </a:p>
@@ -4656,7 +4656,7 @@
           <a:p>
             <a:fld id="{48A87A34-81AB-432B-8DAE-1953F412C126}" type="datetimeFigureOut">
               <a:rPr lang="en-US" dirty="0"/>
-              <a:t>11/10/21</a:t>
+              <a:t>11/10/2021</a:t>
             </a:fld>
             <a:endParaRPr lang="en-US" dirty="0"/>
           </a:p>
@@ -4847,7 +4847,7 @@
           <a:p>
             <a:fld id="{48A87A34-81AB-432B-8DAE-1953F412C126}" type="datetimeFigureOut">
               <a:rPr lang="en-US" dirty="0"/>
-              <a:t>11/10/21</a:t>
+              <a:t>11/10/2021</a:t>
             </a:fld>
             <a:endParaRPr lang="en-US" dirty="0"/>
           </a:p>
@@ -5105,7 +5105,7 @@
           <a:p>
             <a:fld id="{48A87A34-81AB-432B-8DAE-1953F412C126}" type="datetimeFigureOut">
               <a:rPr lang="en-US" dirty="0"/>
-              <a:t>11/10/21</a:t>
+              <a:t>11/10/2021</a:t>
             </a:fld>
             <a:endParaRPr lang="en-US" dirty="0"/>
           </a:p>
@@ -5534,7 +5534,7 @@
           <a:p>
             <a:fld id="{48A87A34-81AB-432B-8DAE-1953F412C126}" type="datetimeFigureOut">
               <a:rPr lang="en-US" dirty="0"/>
-              <a:t>11/10/21</a:t>
+              <a:t>11/10/2021</a:t>
             </a:fld>
             <a:endParaRPr lang="en-US" dirty="0"/>
           </a:p>
@@ -6075,7 +6075,7 @@
           <a:p>
             <a:fld id="{48A87A34-81AB-432B-8DAE-1953F412C126}" type="datetimeFigureOut">
               <a:rPr lang="en-US" dirty="0"/>
-              <a:t>11/10/21</a:t>
+              <a:t>11/10/2021</a:t>
             </a:fld>
             <a:endParaRPr lang="en-US" dirty="0"/>
           </a:p>
@@ -6790,7 +6790,7 @@
           <a:p>
             <a:fld id="{48A87A34-81AB-432B-8DAE-1953F412C126}" type="datetimeFigureOut">
               <a:rPr lang="en-US" dirty="0"/>
-              <a:t>11/10/21</a:t>
+              <a:t>11/10/2021</a:t>
             </a:fld>
             <a:endParaRPr lang="en-US" dirty="0"/>
           </a:p>
@@ -6955,7 +6955,7 @@
           <a:p>
             <a:fld id="{48A87A34-81AB-432B-8DAE-1953F412C126}" type="datetimeFigureOut">
               <a:rPr lang="en-US" dirty="0"/>
-              <a:t>11/10/21</a:t>
+              <a:t>11/10/2021</a:t>
             </a:fld>
             <a:endParaRPr lang="en-US" dirty="0"/>
           </a:p>
@@ -7130,7 +7130,7 @@
           <a:p>
             <a:fld id="{48A87A34-81AB-432B-8DAE-1953F412C126}" type="datetimeFigureOut">
               <a:rPr lang="en-US" dirty="0"/>
-              <a:t>11/10/21</a:t>
+              <a:t>11/10/2021</a:t>
             </a:fld>
             <a:endParaRPr lang="en-US" dirty="0"/>
           </a:p>
@@ -7295,7 +7295,7 @@
           <a:p>
             <a:fld id="{48A87A34-81AB-432B-8DAE-1953F412C126}" type="datetimeFigureOut">
               <a:rPr lang="en-US" dirty="0"/>
-              <a:t>11/10/21</a:t>
+              <a:t>11/10/2021</a:t>
             </a:fld>
             <a:endParaRPr lang="en-US" dirty="0"/>
           </a:p>
@@ -7540,7 +7540,7 @@
           <a:p>
             <a:fld id="{48A87A34-81AB-432B-8DAE-1953F412C126}" type="datetimeFigureOut">
               <a:rPr lang="en-US" dirty="0"/>
-              <a:t>11/10/21</a:t>
+              <a:t>11/10/2021</a:t>
             </a:fld>
             <a:endParaRPr lang="en-US" dirty="0"/>
           </a:p>
@@ -7767,7 +7767,7 @@
           <a:p>
             <a:fld id="{48A87A34-81AB-432B-8DAE-1953F412C126}" type="datetimeFigureOut">
               <a:rPr lang="en-US" dirty="0"/>
-              <a:t>11/10/21</a:t>
+              <a:t>11/10/2021</a:t>
             </a:fld>
             <a:endParaRPr lang="en-US" dirty="0"/>
           </a:p>
@@ -8143,7 +8143,7 @@
           <a:p>
             <a:fld id="{48A87A34-81AB-432B-8DAE-1953F412C126}" type="datetimeFigureOut">
               <a:rPr lang="en-US" dirty="0"/>
-              <a:t>11/10/21</a:t>
+              <a:t>11/10/2021</a:t>
             </a:fld>
             <a:endParaRPr lang="en-US" dirty="0"/>
           </a:p>
@@ -8256,7 +8256,7 @@
           <a:p>
             <a:fld id="{48A87A34-81AB-432B-8DAE-1953F412C126}" type="datetimeFigureOut">
               <a:rPr lang="en-US" dirty="0"/>
-              <a:t>11/10/21</a:t>
+              <a:t>11/10/2021</a:t>
             </a:fld>
             <a:endParaRPr lang="en-US" dirty="0"/>
           </a:p>
@@ -8346,7 +8346,7 @@
           <a:p>
             <a:fld id="{48A87A34-81AB-432B-8DAE-1953F412C126}" type="datetimeFigureOut">
               <a:rPr lang="en-US" dirty="0"/>
-              <a:t>11/10/21</a:t>
+              <a:t>11/10/2021</a:t>
             </a:fld>
             <a:endParaRPr lang="en-US" dirty="0"/>
           </a:p>
@@ -8590,7 +8590,7 @@
           <a:p>
             <a:fld id="{48A87A34-81AB-432B-8DAE-1953F412C126}" type="datetimeFigureOut">
               <a:rPr lang="en-US" dirty="0"/>
-              <a:t>11/10/21</a:t>
+              <a:t>11/10/2021</a:t>
             </a:fld>
             <a:endParaRPr lang="en-US" dirty="0"/>
           </a:p>
@@ -8865,7 +8865,7 @@
           <a:p>
             <a:fld id="{48A87A34-81AB-432B-8DAE-1953F412C126}" type="datetimeFigureOut">
               <a:rPr lang="en-US" dirty="0"/>
-              <a:t>11/10/21</a:t>
+              <a:t>11/10/2021</a:t>
             </a:fld>
             <a:endParaRPr lang="en-US" dirty="0"/>
           </a:p>
@@ -8976,7 +8976,7 @@
           <a:noFill/>
           <a:extLst>
             <a:ext uri="{909E8E84-426E-40dd-AFC4-6F175D3DCCD1}">
-              <a14:hiddenFill xmlns="" xmlns:a14="http://schemas.microsoft.com/office/drawing/2010/main">
+              <a14:hiddenFill xmlns:a14="http://schemas.microsoft.com/office/drawing/2010/main" xmlns="">
                 <a:solidFill>
                   <a:srgbClr val="FFFFFF"/>
                 </a:solidFill>
@@ -9050,7 +9050,7 @@
               </a:ln>
               <a:extLst>
                 <a:ext uri="{91240B29-F687-4f45-9708-019B960494DF}">
-                  <a14:hiddenLine xmlns="" xmlns:a14="http://schemas.microsoft.com/office/drawing/2010/main" w="9525">
+                  <a14:hiddenLine xmlns:a14="http://schemas.microsoft.com/office/drawing/2010/main" xmlns="" w="9525">
                     <a:solidFill>
                       <a:srgbClr val="000000"/>
                     </a:solidFill>
@@ -9140,7 +9140,7 @@
               </a:ln>
               <a:extLst>
                 <a:ext uri="{91240B29-F687-4f45-9708-019B960494DF}">
-                  <a14:hiddenLine xmlns="" xmlns:a14="http://schemas.microsoft.com/office/drawing/2010/main" w="9525">
+                  <a14:hiddenLine xmlns:a14="http://schemas.microsoft.com/office/drawing/2010/main" xmlns="" w="9525">
                     <a:solidFill>
                       <a:srgbClr val="000000"/>
                     </a:solidFill>
@@ -9230,7 +9230,7 @@
               </a:ln>
               <a:extLst>
                 <a:ext uri="{91240B29-F687-4f45-9708-019B960494DF}">
-                  <a14:hiddenLine xmlns="" xmlns:a14="http://schemas.microsoft.com/office/drawing/2010/main" w="9525">
+                  <a14:hiddenLine xmlns:a14="http://schemas.microsoft.com/office/drawing/2010/main" xmlns="" w="9525">
                     <a:solidFill>
                       <a:srgbClr val="000000"/>
                     </a:solidFill>
@@ -9292,7 +9292,7 @@
               </a:ln>
               <a:extLst>
                 <a:ext uri="{91240B29-F687-4f45-9708-019B960494DF}">
-                  <a14:hiddenLine xmlns="" xmlns:a14="http://schemas.microsoft.com/office/drawing/2010/main" w="9525">
+                  <a14:hiddenLine xmlns:a14="http://schemas.microsoft.com/office/drawing/2010/main" xmlns="" w="9525">
                     <a:solidFill>
                       <a:srgbClr val="000000"/>
                     </a:solidFill>
@@ -9382,7 +9382,7 @@
               </a:ln>
               <a:extLst>
                 <a:ext uri="{91240B29-F687-4f45-9708-019B960494DF}">
-                  <a14:hiddenLine xmlns="" xmlns:a14="http://schemas.microsoft.com/office/drawing/2010/main" w="9525">
+                  <a14:hiddenLine xmlns:a14="http://schemas.microsoft.com/office/drawing/2010/main" xmlns="" w="9525">
                     <a:solidFill>
                       <a:srgbClr val="000000"/>
                     </a:solidFill>
@@ -9444,7 +9444,7 @@
               </a:ln>
               <a:extLst>
                 <a:ext uri="{91240B29-F687-4f45-9708-019B960494DF}">
-                  <a14:hiddenLine xmlns="" xmlns:a14="http://schemas.microsoft.com/office/drawing/2010/main" w="9525">
+                  <a14:hiddenLine xmlns:a14="http://schemas.microsoft.com/office/drawing/2010/main" xmlns="" w="9525">
                     <a:solidFill>
                       <a:srgbClr val="000000"/>
                     </a:solidFill>
@@ -9506,7 +9506,7 @@
               </a:ln>
               <a:extLst>
                 <a:ext uri="{91240B29-F687-4f45-9708-019B960494DF}">
-                  <a14:hiddenLine xmlns="" xmlns:a14="http://schemas.microsoft.com/office/drawing/2010/main" w="9525">
+                  <a14:hiddenLine xmlns:a14="http://schemas.microsoft.com/office/drawing/2010/main" xmlns="" w="9525">
                     <a:solidFill>
                       <a:srgbClr val="000000"/>
                     </a:solidFill>
@@ -9596,7 +9596,7 @@
               </a:ln>
               <a:extLst>
                 <a:ext uri="{91240B29-F687-4f45-9708-019B960494DF}">
-                  <a14:hiddenLine xmlns="" xmlns:a14="http://schemas.microsoft.com/office/drawing/2010/main" w="9525">
+                  <a14:hiddenLine xmlns:a14="http://schemas.microsoft.com/office/drawing/2010/main" xmlns="" w="9525">
                     <a:solidFill>
                       <a:srgbClr val="000000"/>
                     </a:solidFill>
@@ -9686,7 +9686,7 @@
               </a:ln>
               <a:extLst>
                 <a:ext uri="{91240B29-F687-4f45-9708-019B960494DF}">
-                  <a14:hiddenLine xmlns="" xmlns:a14="http://schemas.microsoft.com/office/drawing/2010/main" w="9525">
+                  <a14:hiddenLine xmlns:a14="http://schemas.microsoft.com/office/drawing/2010/main" xmlns="" w="9525">
                     <a:solidFill>
                       <a:srgbClr val="000000"/>
                     </a:solidFill>
@@ -9748,7 +9748,7 @@
               </a:ln>
               <a:extLst>
                 <a:ext uri="{91240B29-F687-4f45-9708-019B960494DF}">
-                  <a14:hiddenLine xmlns="" xmlns:a14="http://schemas.microsoft.com/office/drawing/2010/main" w="9525">
+                  <a14:hiddenLine xmlns:a14="http://schemas.microsoft.com/office/drawing/2010/main" xmlns="" w="9525">
                     <a:solidFill>
                       <a:srgbClr val="000000"/>
                     </a:solidFill>
@@ -9858,7 +9858,7 @@
               </a:ln>
               <a:extLst>
                 <a:ext uri="{91240B29-F687-4f45-9708-019B960494DF}">
-                  <a14:hiddenLine xmlns="" xmlns:a14="http://schemas.microsoft.com/office/drawing/2010/main" w="9525">
+                  <a14:hiddenLine xmlns:a14="http://schemas.microsoft.com/office/drawing/2010/main" xmlns="" w="9525">
                     <a:solidFill>
                       <a:srgbClr val="000000"/>
                     </a:solidFill>
@@ -9942,7 +9942,7 @@
               </a:ln>
               <a:extLst>
                 <a:ext uri="{91240B29-F687-4f45-9708-019B960494DF}">
-                  <a14:hiddenLine xmlns="" xmlns:a14="http://schemas.microsoft.com/office/drawing/2010/main" w="9525">
+                  <a14:hiddenLine xmlns:a14="http://schemas.microsoft.com/office/drawing/2010/main" xmlns="" w="9525">
                     <a:solidFill>
                       <a:srgbClr val="000000"/>
                     </a:solidFill>
@@ -10004,7 +10004,7 @@
               </a:ln>
               <a:extLst>
                 <a:ext uri="{91240B29-F687-4f45-9708-019B960494DF}">
-                  <a14:hiddenLine xmlns="" xmlns:a14="http://schemas.microsoft.com/office/drawing/2010/main" w="9525">
+                  <a14:hiddenLine xmlns:a14="http://schemas.microsoft.com/office/drawing/2010/main" xmlns="" w="9525">
                     <a:solidFill>
                       <a:srgbClr val="000000"/>
                     </a:solidFill>
@@ -10066,7 +10066,7 @@
               </a:ln>
               <a:extLst>
                 <a:ext uri="{91240B29-F687-4f45-9708-019B960494DF}">
-                  <a14:hiddenLine xmlns="" xmlns:a14="http://schemas.microsoft.com/office/drawing/2010/main" w="9525">
+                  <a14:hiddenLine xmlns:a14="http://schemas.microsoft.com/office/drawing/2010/main" xmlns="" w="9525">
                     <a:solidFill>
                       <a:srgbClr val="000000"/>
                     </a:solidFill>
@@ -10156,7 +10156,7 @@
               </a:ln>
               <a:extLst>
                 <a:ext uri="{91240B29-F687-4f45-9708-019B960494DF}">
-                  <a14:hiddenLine xmlns="" xmlns:a14="http://schemas.microsoft.com/office/drawing/2010/main" w="9525">
+                  <a14:hiddenLine xmlns:a14="http://schemas.microsoft.com/office/drawing/2010/main" xmlns="" w="9525">
                     <a:solidFill>
                       <a:srgbClr val="000000"/>
                     </a:solidFill>
@@ -10190,7 +10190,7 @@
               </a:ln>
               <a:extLst>
                 <a:ext uri="{91240B29-F687-4f45-9708-019B960494DF}">
-                  <a14:hiddenLine xmlns="" xmlns:a14="http://schemas.microsoft.com/office/drawing/2010/main" w="9525">
+                  <a14:hiddenLine xmlns:a14="http://schemas.microsoft.com/office/drawing/2010/main" xmlns="" w="9525">
                     <a:solidFill>
                       <a:srgbClr val="000000"/>
                     </a:solidFill>
@@ -10255,7 +10255,7 @@
               </a:ln>
               <a:extLst>
                 <a:ext uri="{91240B29-F687-4f45-9708-019B960494DF}">
-                  <a14:hiddenLine xmlns="" xmlns:a14="http://schemas.microsoft.com/office/drawing/2010/main" w="9525">
+                  <a14:hiddenLine xmlns:a14="http://schemas.microsoft.com/office/drawing/2010/main" xmlns="" w="9525">
                     <a:solidFill>
                       <a:srgbClr val="000000"/>
                     </a:solidFill>
@@ -10345,7 +10345,7 @@
               </a:ln>
               <a:extLst>
                 <a:ext uri="{91240B29-F687-4f45-9708-019B960494DF}">
-                  <a14:hiddenLine xmlns="" xmlns:a14="http://schemas.microsoft.com/office/drawing/2010/main" w="9525">
+                  <a14:hiddenLine xmlns:a14="http://schemas.microsoft.com/office/drawing/2010/main" xmlns="" w="9525">
                     <a:solidFill>
                       <a:srgbClr val="000000"/>
                     </a:solidFill>
@@ -10407,7 +10407,7 @@
               </a:ln>
               <a:extLst>
                 <a:ext uri="{91240B29-F687-4f45-9708-019B960494DF}">
-                  <a14:hiddenLine xmlns="" xmlns:a14="http://schemas.microsoft.com/office/drawing/2010/main" w="9525">
+                  <a14:hiddenLine xmlns:a14="http://schemas.microsoft.com/office/drawing/2010/main" xmlns="" w="9525">
                     <a:solidFill>
                       <a:srgbClr val="000000"/>
                     </a:solidFill>
@@ -10497,7 +10497,7 @@
               </a:ln>
               <a:extLst>
                 <a:ext uri="{91240B29-F687-4f45-9708-019B960494DF}">
-                  <a14:hiddenLine xmlns="" xmlns:a14="http://schemas.microsoft.com/office/drawing/2010/main" w="9525">
+                  <a14:hiddenLine xmlns:a14="http://schemas.microsoft.com/office/drawing/2010/main" xmlns="" w="9525">
                     <a:solidFill>
                       <a:srgbClr val="000000"/>
                     </a:solidFill>
@@ -10562,7 +10562,7 @@
               </a:ln>
               <a:extLst>
                 <a:ext uri="{91240B29-F687-4f45-9708-019B960494DF}">
-                  <a14:hiddenLine xmlns="" xmlns:a14="http://schemas.microsoft.com/office/drawing/2010/main" w="9525">
+                  <a14:hiddenLine xmlns:a14="http://schemas.microsoft.com/office/drawing/2010/main" xmlns="" w="9525">
                     <a:solidFill>
                       <a:srgbClr val="000000"/>
                     </a:solidFill>
@@ -10624,7 +10624,7 @@
               </a:ln>
               <a:extLst>
                 <a:ext uri="{91240B29-F687-4f45-9708-019B960494DF}">
-                  <a14:hiddenLine xmlns="" xmlns:a14="http://schemas.microsoft.com/office/drawing/2010/main" w="9525">
+                  <a14:hiddenLine xmlns:a14="http://schemas.microsoft.com/office/drawing/2010/main" xmlns="" w="9525">
                     <a:solidFill>
                       <a:srgbClr val="000000"/>
                     </a:solidFill>
@@ -10714,7 +10714,7 @@
               </a:ln>
               <a:extLst>
                 <a:ext uri="{91240B29-F687-4f45-9708-019B960494DF}">
-                  <a14:hiddenLine xmlns="" xmlns:a14="http://schemas.microsoft.com/office/drawing/2010/main" w="9525">
+                  <a14:hiddenLine xmlns:a14="http://schemas.microsoft.com/office/drawing/2010/main" xmlns="" w="9525">
                     <a:solidFill>
                       <a:srgbClr val="000000"/>
                     </a:solidFill>
@@ -10804,7 +10804,7 @@
               </a:ln>
               <a:extLst>
                 <a:ext uri="{91240B29-F687-4f45-9708-019B960494DF}">
-                  <a14:hiddenLine xmlns="" xmlns:a14="http://schemas.microsoft.com/office/drawing/2010/main" w="9525">
+                  <a14:hiddenLine xmlns:a14="http://schemas.microsoft.com/office/drawing/2010/main" xmlns="" w="9525">
                     <a:solidFill>
                       <a:srgbClr val="000000"/>
                     </a:solidFill>
@@ -10869,7 +10869,7 @@
               </a:ln>
               <a:extLst>
                 <a:ext uri="{91240B29-F687-4f45-9708-019B960494DF}">
-                  <a14:hiddenLine xmlns="" xmlns:a14="http://schemas.microsoft.com/office/drawing/2010/main" w="9525">
+                  <a14:hiddenLine xmlns:a14="http://schemas.microsoft.com/office/drawing/2010/main" xmlns="" w="9525">
                     <a:solidFill>
                       <a:srgbClr val="000000"/>
                     </a:solidFill>
@@ -10989,7 +10989,7 @@
               </a:ln>
               <a:extLst>
                 <a:ext uri="{91240B29-F687-4f45-9708-019B960494DF}">
-                  <a14:hiddenLine xmlns="" xmlns:a14="http://schemas.microsoft.com/office/drawing/2010/main" w="9525">
+                  <a14:hiddenLine xmlns:a14="http://schemas.microsoft.com/office/drawing/2010/main" xmlns="" w="9525">
                     <a:solidFill>
                       <a:srgbClr val="000000"/>
                     </a:solidFill>
@@ -11087,7 +11087,7 @@
               </a:ln>
               <a:extLst>
                 <a:ext uri="{91240B29-F687-4f45-9708-019B960494DF}">
-                  <a14:hiddenLine xmlns="" xmlns:a14="http://schemas.microsoft.com/office/drawing/2010/main" w="9525">
+                  <a14:hiddenLine xmlns:a14="http://schemas.microsoft.com/office/drawing/2010/main" xmlns="" w="9525">
                     <a:solidFill>
                       <a:srgbClr val="000000"/>
                     </a:solidFill>
@@ -11202,7 +11202,7 @@
               </a:ln>
               <a:extLst>
                 <a:ext uri="{91240B29-F687-4f45-9708-019B960494DF}">
-                  <a14:hiddenLine xmlns="" xmlns:a14="http://schemas.microsoft.com/office/drawing/2010/main" w="9525">
+                  <a14:hiddenLine xmlns:a14="http://schemas.microsoft.com/office/drawing/2010/main" xmlns="" w="9525">
                     <a:solidFill>
                       <a:srgbClr val="000000"/>
                     </a:solidFill>
@@ -11292,7 +11292,7 @@
               </a:ln>
               <a:extLst>
                 <a:ext uri="{91240B29-F687-4f45-9708-019B960494DF}">
-                  <a14:hiddenLine xmlns="" xmlns:a14="http://schemas.microsoft.com/office/drawing/2010/main" w="9525">
+                  <a14:hiddenLine xmlns:a14="http://schemas.microsoft.com/office/drawing/2010/main" xmlns="" w="9525">
                     <a:solidFill>
                       <a:srgbClr val="000000"/>
                     </a:solidFill>
@@ -11357,7 +11357,7 @@
               </a:ln>
               <a:extLst>
                 <a:ext uri="{91240B29-F687-4f45-9708-019B960494DF}">
-                  <a14:hiddenLine xmlns="" xmlns:a14="http://schemas.microsoft.com/office/drawing/2010/main" w="9525">
+                  <a14:hiddenLine xmlns:a14="http://schemas.microsoft.com/office/drawing/2010/main" xmlns="" w="9525">
                     <a:solidFill>
                       <a:srgbClr val="000000"/>
                     </a:solidFill>
@@ -11447,7 +11447,7 @@
               </a:ln>
               <a:extLst>
                 <a:ext uri="{91240B29-F687-4f45-9708-019B960494DF}">
-                  <a14:hiddenLine xmlns="" xmlns:a14="http://schemas.microsoft.com/office/drawing/2010/main" w="9525">
+                  <a14:hiddenLine xmlns:a14="http://schemas.microsoft.com/office/drawing/2010/main" xmlns="" w="9525">
                     <a:solidFill>
                       <a:srgbClr val="000000"/>
                     </a:solidFill>
@@ -11515,7 +11515,7 @@
               </a:ln>
               <a:extLst>
                 <a:ext uri="{91240B29-F687-4f45-9708-019B960494DF}">
-                  <a14:hiddenLine xmlns="" xmlns:a14="http://schemas.microsoft.com/office/drawing/2010/main" w="9525">
+                  <a14:hiddenLine xmlns:a14="http://schemas.microsoft.com/office/drawing/2010/main" xmlns="" w="9525">
                     <a:solidFill>
                       <a:srgbClr val="000000"/>
                     </a:solidFill>
@@ -11605,7 +11605,7 @@
               </a:ln>
               <a:extLst>
                 <a:ext uri="{91240B29-F687-4f45-9708-019B960494DF}">
-                  <a14:hiddenLine xmlns="" xmlns:a14="http://schemas.microsoft.com/office/drawing/2010/main" w="9525">
+                  <a14:hiddenLine xmlns:a14="http://schemas.microsoft.com/office/drawing/2010/main" xmlns="" w="9525">
                     <a:solidFill>
                       <a:srgbClr val="000000"/>
                     </a:solidFill>
@@ -11673,7 +11673,7 @@
               </a:ln>
               <a:extLst>
                 <a:ext uri="{91240B29-F687-4f45-9708-019B960494DF}">
-                  <a14:hiddenLine xmlns="" xmlns:a14="http://schemas.microsoft.com/office/drawing/2010/main" w="9525">
+                  <a14:hiddenLine xmlns:a14="http://schemas.microsoft.com/office/drawing/2010/main" xmlns="" w="9525">
                     <a:solidFill>
                       <a:srgbClr val="000000"/>
                     </a:solidFill>
@@ -11763,7 +11763,7 @@
               </a:ln>
               <a:extLst>
                 <a:ext uri="{91240B29-F687-4f45-9708-019B960494DF}">
-                  <a14:hiddenLine xmlns="" xmlns:a14="http://schemas.microsoft.com/office/drawing/2010/main" w="9525">
+                  <a14:hiddenLine xmlns:a14="http://schemas.microsoft.com/office/drawing/2010/main" xmlns="" w="9525">
                     <a:solidFill>
                       <a:srgbClr val="000000"/>
                     </a:solidFill>
@@ -11797,7 +11797,7 @@
               </a:ln>
               <a:extLst>
                 <a:ext uri="{91240B29-F687-4f45-9708-019B960494DF}">
-                  <a14:hiddenLine xmlns="" xmlns:a14="http://schemas.microsoft.com/office/drawing/2010/main" w="9525">
+                  <a14:hiddenLine xmlns:a14="http://schemas.microsoft.com/office/drawing/2010/main" xmlns="" w="9525">
                     <a:solidFill>
                       <a:srgbClr val="000000"/>
                     </a:solidFill>
@@ -11938,7 +11938,7 @@
             <a:fld id="{48A87A34-81AB-432B-8DAE-1953F412C126}" type="datetimeFigureOut">
               <a:rPr lang="en-US" dirty="0"/>
               <a:pPr/>
-              <a:t>11/10/21</a:t>
+              <a:t>11/10/2021</a:t>
             </a:fld>
             <a:endParaRPr lang="en-US" dirty="0"/>
           </a:p>
@@ -12499,7 +12499,7 @@
         <p:spPr/>
         <p:txBody>
           <a:bodyPr>
-            <a:normAutofit/>
+            <a:normAutofit lnSpcReduction="10000"/>
           </a:bodyPr>
           <a:lstStyle/>
           <a:p>
@@ -12698,7 +12698,7 @@
         </p:nvSpPr>
         <p:spPr>
           <a:xfrm>
-            <a:off x="1141413" y="618518"/>
+            <a:off x="1141413" y="71842"/>
             <a:ext cx="9905998" cy="802658"/>
           </a:xfrm>
         </p:spPr>
@@ -12729,7 +12729,7 @@
             <p:ph idx="1"/>
             <p:extLst>
               <p:ext uri="{D42A27DB-BD31-4B8C-83A1-F6EECF244321}">
-                <p14:modId xmlns:p14="http://schemas.microsoft.com/office/powerpoint/2010/main" val="964470574"/>
+                <p14:modId xmlns:p14="http://schemas.microsoft.com/office/powerpoint/2010/main" val="2059116739"/>
               </p:ext>
             </p:extLst>
           </p:nvPr>
@@ -12818,6 +12818,126 @@
           </a:graphicData>
         </a:graphic>
       </p:graphicFrame>
+      <p:pic>
+        <p:nvPicPr>
+          <p:cNvPr id="3" name="Picture 2"/>
+          <p:cNvPicPr>
+            <a:picLocks noChangeAspect="1"/>
+          </p:cNvPicPr>
+          <p:nvPr/>
+        </p:nvPicPr>
+        <p:blipFill>
+          <a:blip r:embed="rId2">
+            <a:extLst>
+              <a:ext uri="{28A0092B-C50C-407E-A947-70E740481C1C}">
+                <a14:useLocalDpi xmlns:a14="http://schemas.microsoft.com/office/drawing/2010/main" val="0"/>
+              </a:ext>
+            </a:extLst>
+          </a:blip>
+          <a:stretch>
+            <a:fillRect/>
+          </a:stretch>
+        </p:blipFill>
+        <p:spPr>
+          <a:xfrm>
+            <a:off x="1687513" y="3791881"/>
+            <a:ext cx="3755581" cy="2559774"/>
+          </a:xfrm>
+          <a:prstGeom prst="rect">
+            <a:avLst/>
+          </a:prstGeom>
+        </p:spPr>
+      </p:pic>
+      <p:pic>
+        <p:nvPicPr>
+          <p:cNvPr id="5" name="Picture 4"/>
+          <p:cNvPicPr>
+            <a:picLocks noChangeAspect="1"/>
+          </p:cNvPicPr>
+          <p:nvPr/>
+        </p:nvPicPr>
+        <p:blipFill>
+          <a:blip r:embed="rId3">
+            <a:extLst>
+              <a:ext uri="{28A0092B-C50C-407E-A947-70E740481C1C}">
+                <a14:useLocalDpi xmlns:a14="http://schemas.microsoft.com/office/drawing/2010/main" val="0"/>
+              </a:ext>
+            </a:extLst>
+          </a:blip>
+          <a:stretch>
+            <a:fillRect/>
+          </a:stretch>
+        </p:blipFill>
+        <p:spPr>
+          <a:xfrm>
+            <a:off x="6711354" y="1060947"/>
+            <a:ext cx="3677246" cy="2630718"/>
+          </a:xfrm>
+          <a:prstGeom prst="rect">
+            <a:avLst/>
+          </a:prstGeom>
+        </p:spPr>
+      </p:pic>
+      <p:pic>
+        <p:nvPicPr>
+          <p:cNvPr id="6" name="Picture 5"/>
+          <p:cNvPicPr>
+            <a:picLocks noChangeAspect="1"/>
+          </p:cNvPicPr>
+          <p:nvPr/>
+        </p:nvPicPr>
+        <p:blipFill>
+          <a:blip r:embed="rId4">
+            <a:extLst>
+              <a:ext uri="{28A0092B-C50C-407E-A947-70E740481C1C}">
+                <a14:useLocalDpi xmlns:a14="http://schemas.microsoft.com/office/drawing/2010/main" val="0"/>
+              </a:ext>
+            </a:extLst>
+          </a:blip>
+          <a:stretch>
+            <a:fillRect/>
+          </a:stretch>
+        </p:blipFill>
+        <p:spPr>
+          <a:xfrm>
+            <a:off x="1687513" y="1105701"/>
+            <a:ext cx="3794005" cy="2585964"/>
+          </a:xfrm>
+          <a:prstGeom prst="rect">
+            <a:avLst/>
+          </a:prstGeom>
+        </p:spPr>
+      </p:pic>
+      <p:pic>
+        <p:nvPicPr>
+          <p:cNvPr id="7" name="Picture 6"/>
+          <p:cNvPicPr>
+            <a:picLocks noChangeAspect="1"/>
+          </p:cNvPicPr>
+          <p:nvPr/>
+        </p:nvPicPr>
+        <p:blipFill>
+          <a:blip r:embed="rId5">
+            <a:extLst>
+              <a:ext uri="{28A0092B-C50C-407E-A947-70E740481C1C}">
+                <a14:useLocalDpi xmlns:a14="http://schemas.microsoft.com/office/drawing/2010/main" val="0"/>
+              </a:ext>
+            </a:extLst>
+          </a:blip>
+          <a:stretch>
+            <a:fillRect/>
+          </a:stretch>
+        </p:blipFill>
+        <p:spPr>
+          <a:xfrm>
+            <a:off x="6711354" y="3791881"/>
+            <a:ext cx="3707312" cy="2565161"/>
+          </a:xfrm>
+          <a:prstGeom prst="rect">
+            <a:avLst/>
+          </a:prstGeom>
+        </p:spPr>
+      </p:pic>
     </p:spTree>
     <p:extLst>
       <p:ext uri="{BB962C8B-B14F-4D97-AF65-F5344CB8AC3E}">

--- a/API project presentation.pptx
+++ b/API project presentation.pptx
@@ -9,9 +9,10 @@
     <p:sldId id="257" r:id="rId3"/>
     <p:sldId id="262" r:id="rId4"/>
     <p:sldId id="259" r:id="rId5"/>
-    <p:sldId id="258" r:id="rId6"/>
-    <p:sldId id="260" r:id="rId7"/>
-    <p:sldId id="261" r:id="rId8"/>
+    <p:sldId id="263" r:id="rId6"/>
+    <p:sldId id="258" r:id="rId7"/>
+    <p:sldId id="260" r:id="rId8"/>
+    <p:sldId id="261" r:id="rId9"/>
   </p:sldIdLst>
   <p:sldSz cx="12192000" cy="6858000"/>
   <p:notesSz cx="6858000" cy="9144000"/>
@@ -4394,7 +4395,7 @@
           <a:p>
             <a:fld id="{48A87A34-81AB-432B-8DAE-1953F412C126}" type="datetimeFigureOut">
               <a:rPr lang="en-US" dirty="0"/>
-              <a:t>11/10/2021</a:t>
+              <a:t>11/10/21</a:t>
             </a:fld>
             <a:endParaRPr lang="en-US" dirty="0"/>
           </a:p>
@@ -4656,7 +4657,7 @@
           <a:p>
             <a:fld id="{48A87A34-81AB-432B-8DAE-1953F412C126}" type="datetimeFigureOut">
               <a:rPr lang="en-US" dirty="0"/>
-              <a:t>11/10/2021</a:t>
+              <a:t>11/10/21</a:t>
             </a:fld>
             <a:endParaRPr lang="en-US" dirty="0"/>
           </a:p>
@@ -4847,7 +4848,7 @@
           <a:p>
             <a:fld id="{48A87A34-81AB-432B-8DAE-1953F412C126}" type="datetimeFigureOut">
               <a:rPr lang="en-US" dirty="0"/>
-              <a:t>11/10/2021</a:t>
+              <a:t>11/10/21</a:t>
             </a:fld>
             <a:endParaRPr lang="en-US" dirty="0"/>
           </a:p>
@@ -5105,7 +5106,7 @@
           <a:p>
             <a:fld id="{48A87A34-81AB-432B-8DAE-1953F412C126}" type="datetimeFigureOut">
               <a:rPr lang="en-US" dirty="0"/>
-              <a:t>11/10/2021</a:t>
+              <a:t>11/10/21</a:t>
             </a:fld>
             <a:endParaRPr lang="en-US" dirty="0"/>
           </a:p>
@@ -5534,7 +5535,7 @@
           <a:p>
             <a:fld id="{48A87A34-81AB-432B-8DAE-1953F412C126}" type="datetimeFigureOut">
               <a:rPr lang="en-US" dirty="0"/>
-              <a:t>11/10/2021</a:t>
+              <a:t>11/10/21</a:t>
             </a:fld>
             <a:endParaRPr lang="en-US" dirty="0"/>
           </a:p>
@@ -6075,7 +6076,7 @@
           <a:p>
             <a:fld id="{48A87A34-81AB-432B-8DAE-1953F412C126}" type="datetimeFigureOut">
               <a:rPr lang="en-US" dirty="0"/>
-              <a:t>11/10/2021</a:t>
+              <a:t>11/10/21</a:t>
             </a:fld>
             <a:endParaRPr lang="en-US" dirty="0"/>
           </a:p>
@@ -6790,7 +6791,7 @@
           <a:p>
             <a:fld id="{48A87A34-81AB-432B-8DAE-1953F412C126}" type="datetimeFigureOut">
               <a:rPr lang="en-US" dirty="0"/>
-              <a:t>11/10/2021</a:t>
+              <a:t>11/10/21</a:t>
             </a:fld>
             <a:endParaRPr lang="en-US" dirty="0"/>
           </a:p>
@@ -6955,7 +6956,7 @@
           <a:p>
             <a:fld id="{48A87A34-81AB-432B-8DAE-1953F412C126}" type="datetimeFigureOut">
               <a:rPr lang="en-US" dirty="0"/>
-              <a:t>11/10/2021</a:t>
+              <a:t>11/10/21</a:t>
             </a:fld>
             <a:endParaRPr lang="en-US" dirty="0"/>
           </a:p>
@@ -7130,7 +7131,7 @@
           <a:p>
             <a:fld id="{48A87A34-81AB-432B-8DAE-1953F412C126}" type="datetimeFigureOut">
               <a:rPr lang="en-US" dirty="0"/>
-              <a:t>11/10/2021</a:t>
+              <a:t>11/10/21</a:t>
             </a:fld>
             <a:endParaRPr lang="en-US" dirty="0"/>
           </a:p>
@@ -7295,7 +7296,7 @@
           <a:p>
             <a:fld id="{48A87A34-81AB-432B-8DAE-1953F412C126}" type="datetimeFigureOut">
               <a:rPr lang="en-US" dirty="0"/>
-              <a:t>11/10/2021</a:t>
+              <a:t>11/10/21</a:t>
             </a:fld>
             <a:endParaRPr lang="en-US" dirty="0"/>
           </a:p>
@@ -7540,7 +7541,7 @@
           <a:p>
             <a:fld id="{48A87A34-81AB-432B-8DAE-1953F412C126}" type="datetimeFigureOut">
               <a:rPr lang="en-US" dirty="0"/>
-              <a:t>11/10/2021</a:t>
+              <a:t>11/10/21</a:t>
             </a:fld>
             <a:endParaRPr lang="en-US" dirty="0"/>
           </a:p>
@@ -7767,7 +7768,7 @@
           <a:p>
             <a:fld id="{48A87A34-81AB-432B-8DAE-1953F412C126}" type="datetimeFigureOut">
               <a:rPr lang="en-US" dirty="0"/>
-              <a:t>11/10/2021</a:t>
+              <a:t>11/10/21</a:t>
             </a:fld>
             <a:endParaRPr lang="en-US" dirty="0"/>
           </a:p>
@@ -8143,7 +8144,7 @@
           <a:p>
             <a:fld id="{48A87A34-81AB-432B-8DAE-1953F412C126}" type="datetimeFigureOut">
               <a:rPr lang="en-US" dirty="0"/>
-              <a:t>11/10/2021</a:t>
+              <a:t>11/10/21</a:t>
             </a:fld>
             <a:endParaRPr lang="en-US" dirty="0"/>
           </a:p>
@@ -8256,7 +8257,7 @@
           <a:p>
             <a:fld id="{48A87A34-81AB-432B-8DAE-1953F412C126}" type="datetimeFigureOut">
               <a:rPr lang="en-US" dirty="0"/>
-              <a:t>11/10/2021</a:t>
+              <a:t>11/10/21</a:t>
             </a:fld>
             <a:endParaRPr lang="en-US" dirty="0"/>
           </a:p>
@@ -8346,7 +8347,7 @@
           <a:p>
             <a:fld id="{48A87A34-81AB-432B-8DAE-1953F412C126}" type="datetimeFigureOut">
               <a:rPr lang="en-US" dirty="0"/>
-              <a:t>11/10/2021</a:t>
+              <a:t>11/10/21</a:t>
             </a:fld>
             <a:endParaRPr lang="en-US" dirty="0"/>
           </a:p>
@@ -8590,7 +8591,7 @@
           <a:p>
             <a:fld id="{48A87A34-81AB-432B-8DAE-1953F412C126}" type="datetimeFigureOut">
               <a:rPr lang="en-US" dirty="0"/>
-              <a:t>11/10/2021</a:t>
+              <a:t>11/10/21</a:t>
             </a:fld>
             <a:endParaRPr lang="en-US" dirty="0"/>
           </a:p>
@@ -8865,7 +8866,7 @@
           <a:p>
             <a:fld id="{48A87A34-81AB-432B-8DAE-1953F412C126}" type="datetimeFigureOut">
               <a:rPr lang="en-US" dirty="0"/>
-              <a:t>11/10/2021</a:t>
+              <a:t>11/10/21</a:t>
             </a:fld>
             <a:endParaRPr lang="en-US" dirty="0"/>
           </a:p>
@@ -11938,7 +11939,7 @@
             <a:fld id="{48A87A34-81AB-432B-8DAE-1953F412C126}" type="datetimeFigureOut">
               <a:rPr lang="en-US" dirty="0"/>
               <a:pPr/>
-              <a:t>11/10/2021</a:t>
+              <a:t>11/10/21</a:t>
             </a:fld>
             <a:endParaRPr lang="en-US" dirty="0"/>
           </a:p>
@@ -12499,7 +12500,7 @@
         <p:spPr/>
         <p:txBody>
           <a:bodyPr>
-            <a:normAutofit lnSpcReduction="10000"/>
+            <a:normAutofit/>
           </a:bodyPr>
           <a:lstStyle/>
           <a:p>
@@ -12508,15 +12509,7 @@
           <a:p>
             <a:r>
               <a:rPr lang="en-US" dirty="0"/>
-              <a:t>We hypothesized that property crime counts might vary similarly </a:t>
-            </a:r>
-            <a:r>
-              <a:rPr lang="en-US" dirty="0" err="1"/>
-              <a:t>tothe</a:t>
-            </a:r>
-            <a:r>
-              <a:rPr lang="en-US" dirty="0"/>
-              <a:t> unemployment rate in the United States</a:t>
+              <a:t>We hypothesized that property crime counts might vary similarly to the unemployment rate in the United States</a:t>
             </a:r>
           </a:p>
           <a:p>
@@ -12698,7 +12691,7 @@
         </p:nvSpPr>
         <p:spPr>
           <a:xfrm>
-            <a:off x="1141413" y="71842"/>
+            <a:off x="1141413" y="618518"/>
             <a:ext cx="9905998" cy="802658"/>
           </a:xfrm>
         </p:spPr>
@@ -12713,135 +12706,30 @@
           </a:p>
         </p:txBody>
       </p:sp>
-      <p:graphicFrame>
-        <p:nvGraphicFramePr>
-          <p:cNvPr id="4" name="Table 4">
+      <p:pic>
+        <p:nvPicPr>
+          <p:cNvPr id="5" name="Picture 4" descr="Chart, line chart&#10;&#10;Description automatically generated">
             <a:extLst>
               <a:ext uri="{FF2B5EF4-FFF2-40B4-BE49-F238E27FC236}">
-                <a16:creationId xmlns:a16="http://schemas.microsoft.com/office/drawing/2014/main" id="{B139A460-39FB-784B-B9B3-4BCD87FEA729}"/>
+                <a16:creationId xmlns:a16="http://schemas.microsoft.com/office/drawing/2014/main" id="{6A4EB0D3-B867-4740-ABDD-7BE98BD4BF86}"/>
               </a:ext>
             </a:extLst>
           </p:cNvPr>
-          <p:cNvGraphicFramePr>
-            <a:graphicFrameLocks noGrp="1"/>
-          </p:cNvGraphicFramePr>
-          <p:nvPr>
-            <p:ph idx="1"/>
-            <p:extLst>
-              <p:ext uri="{D42A27DB-BD31-4B8C-83A1-F6EECF244321}">
-                <p14:modId xmlns:p14="http://schemas.microsoft.com/office/powerpoint/2010/main" val="2059116739"/>
-              </p:ext>
-            </p:extLst>
-          </p:nvPr>
-        </p:nvGraphicFramePr>
-        <p:xfrm>
-          <a:off x="1141413" y="1531345"/>
-          <a:ext cx="9906000" cy="4494882"/>
-        </p:xfrm>
-        <a:graphic>
-          <a:graphicData uri="http://schemas.openxmlformats.org/drawingml/2006/table">
-            <a:tbl>
-              <a:tblPr firstRow="1" bandRow="1">
-                <a:tableStyleId>{5C22544A-7EE6-4342-B048-85BDC9FD1C3A}</a:tableStyleId>
-              </a:tblPr>
-              <a:tblGrid>
-                <a:gridCol w="4939898">
-                  <a:extLst>
-                    <a:ext uri="{9D8B030D-6E8A-4147-A177-3AD203B41FA5}">
-                      <a16:colId xmlns:a16="http://schemas.microsoft.com/office/drawing/2014/main" val="801667559"/>
-                    </a:ext>
-                  </a:extLst>
-                </a:gridCol>
-                <a:gridCol w="4966102">
-                  <a:extLst>
-                    <a:ext uri="{9D8B030D-6E8A-4147-A177-3AD203B41FA5}">
-                      <a16:colId xmlns:a16="http://schemas.microsoft.com/office/drawing/2014/main" val="792234963"/>
-                    </a:ext>
-                  </a:extLst>
-                </a:gridCol>
-              </a:tblGrid>
-              <a:tr h="2247441">
-                <a:tc>
-                  <a:txBody>
-                    <a:bodyPr/>
-                    <a:lstStyle/>
-                    <a:p>
-                      <a:endParaRPr lang="en-US" dirty="0"/>
-                    </a:p>
-                  </a:txBody>
-                  <a:tcPr/>
-                </a:tc>
-                <a:tc>
-                  <a:txBody>
-                    <a:bodyPr/>
-                    <a:lstStyle/>
-                    <a:p>
-                      <a:endParaRPr lang="en-US" dirty="0"/>
-                    </a:p>
-                  </a:txBody>
-                  <a:tcPr/>
-                </a:tc>
-                <a:extLst>
-                  <a:ext uri="{0D108BD9-81ED-4DB2-BD59-A6C34878D82A}">
-                    <a16:rowId xmlns:a16="http://schemas.microsoft.com/office/drawing/2014/main" val="1039537402"/>
-                  </a:ext>
-                </a:extLst>
-              </a:tr>
-              <a:tr h="2247441">
-                <a:tc>
-                  <a:txBody>
-                    <a:bodyPr/>
-                    <a:lstStyle/>
-                    <a:p>
-                      <a:endParaRPr lang="en-US" dirty="0"/>
-                    </a:p>
-                  </a:txBody>
-                  <a:tcPr/>
-                </a:tc>
-                <a:tc>
-                  <a:txBody>
-                    <a:bodyPr/>
-                    <a:lstStyle/>
-                    <a:p>
-                      <a:endParaRPr lang="en-US" dirty="0"/>
-                    </a:p>
-                  </a:txBody>
-                  <a:tcPr/>
-                </a:tc>
-                <a:extLst>
-                  <a:ext uri="{0D108BD9-81ED-4DB2-BD59-A6C34878D82A}">
-                    <a16:rowId xmlns:a16="http://schemas.microsoft.com/office/drawing/2014/main" val="1225209187"/>
-                  </a:ext>
-                </a:extLst>
-              </a:tr>
-            </a:tbl>
-          </a:graphicData>
-        </a:graphic>
-      </p:graphicFrame>
-      <p:pic>
-        <p:nvPicPr>
-          <p:cNvPr id="3" name="Picture 2"/>
           <p:cNvPicPr>
             <a:picLocks noChangeAspect="1"/>
           </p:cNvPicPr>
           <p:nvPr/>
         </p:nvPicPr>
         <p:blipFill>
-          <a:blip r:embed="rId2">
-            <a:extLst>
-              <a:ext uri="{28A0092B-C50C-407E-A947-70E740481C1C}">
-                <a14:useLocalDpi xmlns:a14="http://schemas.microsoft.com/office/drawing/2010/main" val="0"/>
-              </a:ext>
-            </a:extLst>
-          </a:blip>
+          <a:blip r:embed="rId2"/>
           <a:stretch>
             <a:fillRect/>
           </a:stretch>
         </p:blipFill>
         <p:spPr>
           <a:xfrm>
-            <a:off x="1687513" y="3791881"/>
-            <a:ext cx="3755581" cy="2559774"/>
+            <a:off x="989012" y="1522374"/>
+            <a:ext cx="5105400" cy="3479800"/>
           </a:xfrm>
           <a:prstGeom prst="rect">
             <a:avLst/>
@@ -12850,88 +12738,28 @@
       </p:pic>
       <p:pic>
         <p:nvPicPr>
-          <p:cNvPr id="5" name="Picture 4"/>
+          <p:cNvPr id="9" name="Picture 8" descr="Chart, line chart&#10;&#10;Description automatically generated">
+            <a:extLst>
+              <a:ext uri="{FF2B5EF4-FFF2-40B4-BE49-F238E27FC236}">
+                <a16:creationId xmlns:a16="http://schemas.microsoft.com/office/drawing/2014/main" id="{C34B478B-DA02-7648-82C3-E34553C94098}"/>
+              </a:ext>
+            </a:extLst>
+          </p:cNvPr>
           <p:cNvPicPr>
             <a:picLocks noChangeAspect="1"/>
           </p:cNvPicPr>
           <p:nvPr/>
         </p:nvPicPr>
         <p:blipFill>
-          <a:blip r:embed="rId3">
-            <a:extLst>
-              <a:ext uri="{28A0092B-C50C-407E-A947-70E740481C1C}">
-                <a14:useLocalDpi xmlns:a14="http://schemas.microsoft.com/office/drawing/2010/main" val="0"/>
-              </a:ext>
-            </a:extLst>
-          </a:blip>
+          <a:blip r:embed="rId3"/>
           <a:stretch>
             <a:fillRect/>
           </a:stretch>
         </p:blipFill>
         <p:spPr>
           <a:xfrm>
-            <a:off x="6711354" y="1060947"/>
-            <a:ext cx="3677246" cy="2630718"/>
-          </a:xfrm>
-          <a:prstGeom prst="rect">
-            <a:avLst/>
-          </a:prstGeom>
-        </p:spPr>
-      </p:pic>
-      <p:pic>
-        <p:nvPicPr>
-          <p:cNvPr id="6" name="Picture 5"/>
-          <p:cNvPicPr>
-            <a:picLocks noChangeAspect="1"/>
-          </p:cNvPicPr>
-          <p:nvPr/>
-        </p:nvPicPr>
-        <p:blipFill>
-          <a:blip r:embed="rId4">
-            <a:extLst>
-              <a:ext uri="{28A0092B-C50C-407E-A947-70E740481C1C}">
-                <a14:useLocalDpi xmlns:a14="http://schemas.microsoft.com/office/drawing/2010/main" val="0"/>
-              </a:ext>
-            </a:extLst>
-          </a:blip>
-          <a:stretch>
-            <a:fillRect/>
-          </a:stretch>
-        </p:blipFill>
-        <p:spPr>
-          <a:xfrm>
-            <a:off x="1687513" y="1105701"/>
-            <a:ext cx="3794005" cy="2585964"/>
-          </a:xfrm>
-          <a:prstGeom prst="rect">
-            <a:avLst/>
-          </a:prstGeom>
-        </p:spPr>
-      </p:pic>
-      <p:pic>
-        <p:nvPicPr>
-          <p:cNvPr id="7" name="Picture 6"/>
-          <p:cNvPicPr>
-            <a:picLocks noChangeAspect="1"/>
-          </p:cNvPicPr>
-          <p:nvPr/>
-        </p:nvPicPr>
-        <p:blipFill>
-          <a:blip r:embed="rId5">
-            <a:extLst>
-              <a:ext uri="{28A0092B-C50C-407E-A947-70E740481C1C}">
-                <a14:useLocalDpi xmlns:a14="http://schemas.microsoft.com/office/drawing/2010/main" val="0"/>
-              </a:ext>
-            </a:extLst>
-          </a:blip>
-          <a:stretch>
-            <a:fillRect/>
-          </a:stretch>
-        </p:blipFill>
-        <p:spPr>
-          <a:xfrm>
-            <a:off x="6711354" y="3791881"/>
-            <a:ext cx="3707312" cy="2565161"/>
+            <a:off x="6199742" y="1522374"/>
+            <a:ext cx="5105400" cy="3479800"/>
           </a:xfrm>
           <a:prstGeom prst="rect">
             <a:avLst/>
@@ -12973,7 +12801,7 @@
           <p:cNvPr id="2" name="Title 1">
             <a:extLst>
               <a:ext uri="{FF2B5EF4-FFF2-40B4-BE49-F238E27FC236}">
-                <a16:creationId xmlns:a16="http://schemas.microsoft.com/office/drawing/2014/main" id="{4121C57B-75A0-9E43-A8A6-A8025154DFE8}"/>
+                <a16:creationId xmlns:a16="http://schemas.microsoft.com/office/drawing/2014/main" id="{C02B4CB4-C42E-0F45-A3D6-F68155A6346A}"/>
               </a:ext>
             </a:extLst>
           </p:cNvPr>
@@ -12991,17 +12819,107 @@
           <a:p>
             <a:r>
               <a:rPr lang="en-US" dirty="0"/>
-              <a:t>Unemployment rate</a:t>
+              <a:t>Property Crime Stats Cont.</a:t>
             </a:r>
           </a:p>
         </p:txBody>
       </p:sp>
+      <p:pic>
+        <p:nvPicPr>
+          <p:cNvPr id="5" name="Picture 4" descr="Chart, line chart&#10;&#10;Description automatically generated">
+            <a:extLst>
+              <a:ext uri="{FF2B5EF4-FFF2-40B4-BE49-F238E27FC236}">
+                <a16:creationId xmlns:a16="http://schemas.microsoft.com/office/drawing/2014/main" id="{DAD2030C-020A-3A47-ADAD-566123D6A08C}"/>
+              </a:ext>
+            </a:extLst>
+          </p:cNvPr>
+          <p:cNvPicPr>
+            <a:picLocks noChangeAspect="1"/>
+          </p:cNvPicPr>
+          <p:nvPr/>
+        </p:nvPicPr>
+        <p:blipFill>
+          <a:blip r:embed="rId2"/>
+          <a:stretch>
+            <a:fillRect/>
+          </a:stretch>
+        </p:blipFill>
+        <p:spPr>
+          <a:xfrm>
+            <a:off x="877888" y="2097088"/>
+            <a:ext cx="4864100" cy="3479800"/>
+          </a:xfrm>
+          <a:prstGeom prst="rect">
+            <a:avLst/>
+          </a:prstGeom>
+        </p:spPr>
+      </p:pic>
+      <p:pic>
+        <p:nvPicPr>
+          <p:cNvPr id="7" name="Picture 6" descr="Chart, line chart&#10;&#10;Description automatically generated">
+            <a:extLst>
+              <a:ext uri="{FF2B5EF4-FFF2-40B4-BE49-F238E27FC236}">
+                <a16:creationId xmlns:a16="http://schemas.microsoft.com/office/drawing/2014/main" id="{F86C4474-1F75-F246-9EB7-FD5FB982290F}"/>
+              </a:ext>
+            </a:extLst>
+          </p:cNvPr>
+          <p:cNvPicPr>
+            <a:picLocks noChangeAspect="1"/>
+          </p:cNvPicPr>
+          <p:nvPr/>
+        </p:nvPicPr>
+        <p:blipFill>
+          <a:blip r:embed="rId3"/>
+          <a:stretch>
+            <a:fillRect/>
+          </a:stretch>
+        </p:blipFill>
+        <p:spPr>
+          <a:xfrm>
+            <a:off x="6005513" y="2097088"/>
+            <a:ext cx="5029200" cy="3479800"/>
+          </a:xfrm>
+          <a:prstGeom prst="rect">
+            <a:avLst/>
+          </a:prstGeom>
+        </p:spPr>
+      </p:pic>
+    </p:spTree>
+    <p:extLst>
+      <p:ext uri="{BB962C8B-B14F-4D97-AF65-F5344CB8AC3E}">
+        <p14:creationId xmlns:p14="http://schemas.microsoft.com/office/powerpoint/2010/main" val="2810884928"/>
+      </p:ext>
+    </p:extLst>
+  </p:cSld>
+  <p:clrMapOvr>
+    <a:masterClrMapping/>
+  </p:clrMapOvr>
+</p:sld>
+</file>
+
+<file path=ppt/slides/slide6.xml><?xml version="1.0" encoding="utf-8"?>
+<p:sld xmlns:a="http://schemas.openxmlformats.org/drawingml/2006/main" xmlns:r="http://schemas.openxmlformats.org/officeDocument/2006/relationships" xmlns:p="http://schemas.openxmlformats.org/presentationml/2006/main">
+  <p:cSld>
+    <p:spTree>
+      <p:nvGrpSpPr>
+        <p:cNvPr id="1" name=""/>
+        <p:cNvGrpSpPr/>
+        <p:nvPr/>
+      </p:nvGrpSpPr>
+      <p:grpSpPr>
+        <a:xfrm>
+          <a:off x="0" y="0"/>
+          <a:ext cx="0" cy="0"/>
+          <a:chOff x="0" y="0"/>
+          <a:chExt cx="0" cy="0"/>
+        </a:xfrm>
+      </p:grpSpPr>
       <p:sp>
         <p:nvSpPr>
-          <p:cNvPr id="3" name="Content Placeholder 2">
+          <p:cNvPr id="2" name="Title 1">
             <a:extLst>
               <a:ext uri="{FF2B5EF4-FFF2-40B4-BE49-F238E27FC236}">
-                <a16:creationId xmlns:a16="http://schemas.microsoft.com/office/drawing/2014/main" id="{2768874B-EAA5-D34C-B73D-39561B44C6D9}"/>
+                <a16:creationId xmlns:a16="http://schemas.microsoft.com/office/drawing/2014/main" id="{4121C57B-75A0-9E43-A8A6-A8025154DFE8}"/>
               </a:ext>
             </a:extLst>
           </p:cNvPr>
@@ -13009,21 +12927,56 @@
             <a:spLocks noGrp="1"/>
           </p:cNvSpPr>
           <p:nvPr>
-            <p:ph idx="1"/>
+            <p:ph type="title"/>
           </p:nvPr>
         </p:nvSpPr>
-        <p:spPr/>
+        <p:spPr>
+          <a:xfrm>
+            <a:off x="1141413" y="618518"/>
+            <a:ext cx="4719560" cy="1478570"/>
+          </a:xfrm>
+        </p:spPr>
         <p:txBody>
           <a:bodyPr/>
           <a:lstStyle/>
           <a:p>
             <a:r>
               <a:rPr lang="en-US" dirty="0"/>
-              <a:t>To come!</a:t>
+              <a:t>Unemployment rate</a:t>
             </a:r>
           </a:p>
         </p:txBody>
       </p:sp>
+      <p:pic>
+        <p:nvPicPr>
+          <p:cNvPr id="8" name="Picture 7" descr="Chart, line chart&#10;&#10;Description automatically generated">
+            <a:extLst>
+              <a:ext uri="{FF2B5EF4-FFF2-40B4-BE49-F238E27FC236}">
+                <a16:creationId xmlns:a16="http://schemas.microsoft.com/office/drawing/2014/main" id="{92805B07-41A3-4D4B-A635-248DB3064366}"/>
+              </a:ext>
+            </a:extLst>
+          </p:cNvPr>
+          <p:cNvPicPr>
+            <a:picLocks noChangeAspect="1"/>
+          </p:cNvPicPr>
+          <p:nvPr/>
+        </p:nvPicPr>
+        <p:blipFill>
+          <a:blip r:embed="rId2"/>
+          <a:stretch>
+            <a:fillRect/>
+          </a:stretch>
+        </p:blipFill>
+        <p:spPr>
+          <a:xfrm>
+            <a:off x="6009089" y="1193035"/>
+            <a:ext cx="4470400" cy="4648200"/>
+          </a:xfrm>
+          <a:prstGeom prst="rect">
+            <a:avLst/>
+          </a:prstGeom>
+        </p:spPr>
+      </p:pic>
     </p:spTree>
     <p:extLst>
       <p:ext uri="{BB962C8B-B14F-4D97-AF65-F5344CB8AC3E}">
@@ -13037,7 +12990,7 @@
 </p:sld>
 </file>
 
-<file path=ppt/slides/slide6.xml><?xml version="1.0" encoding="utf-8"?>
+<file path=ppt/slides/slide7.xml><?xml version="1.0" encoding="utf-8"?>
 <p:sld xmlns:a="http://schemas.openxmlformats.org/drawingml/2006/main" xmlns:r="http://schemas.openxmlformats.org/officeDocument/2006/relationships" xmlns:p="http://schemas.openxmlformats.org/presentationml/2006/main">
   <p:cSld>
     <p:spTree>
@@ -13106,7 +13059,7 @@
         </p:blipFill>
         <p:spPr>
           <a:xfrm>
-            <a:off x="3643312" y="1430375"/>
+            <a:off x="1307737" y="1683763"/>
             <a:ext cx="6086475" cy="4336219"/>
           </a:xfrm>
         </p:spPr>
@@ -13124,7 +13077,7 @@
 </p:sld>
 </file>
 
-<file path=ppt/slides/slide7.xml><?xml version="1.0" encoding="utf-8"?>
+<file path=ppt/slides/slide8.xml><?xml version="1.0" encoding="utf-8"?>
 <p:sld xmlns:a="http://schemas.openxmlformats.org/drawingml/2006/main" xmlns:r="http://schemas.openxmlformats.org/officeDocument/2006/relationships" xmlns:p="http://schemas.openxmlformats.org/presentationml/2006/main">
   <p:cSld>
     <p:spTree>
@@ -13169,7 +13122,7 @@
           <a:p>
             <a:r>
               <a:rPr lang="en-US" dirty="0"/>
-              <a:t>Conclusions &amp; lessons learned</a:t>
+              <a:t>lessons learned</a:t>
             </a:r>
           </a:p>
         </p:txBody>
